--- a/ML_Poster.pptx
+++ b/ML_Poster.pptx
@@ -157,7 +157,7 @@
           <a:p>
             <a:fld id="{AFD5325B-1A15-4464-AC58-4D5851FBB6B7}" type="datetimeFigureOut">
               <a:rPr lang="en-CH" smtClean="0"/>
-              <a:t>17/11/2021</a:t>
+              <a:t>18/11/2021</a:t>
             </a:fld>
             <a:endParaRPr lang="en-CH"/>
           </a:p>
@@ -370,7 +370,7 @@
           <a:p>
             <a:fld id="{AFD5325B-1A15-4464-AC58-4D5851FBB6B7}" type="datetimeFigureOut">
               <a:rPr lang="en-CH" smtClean="0"/>
-              <a:t>17/11/2021</a:t>
+              <a:t>18/11/2021</a:t>
             </a:fld>
             <a:endParaRPr lang="en-CH"/>
           </a:p>
@@ -808,7 +808,7 @@
             <a:pPr algn="ctr"/>
             <a:r>
               <a:rPr lang="en-US" sz="4000" b="1" dirty="0"/>
-              <a:t>Comparing Decision Tree and K-Nearest Neighbor for Heart Stroke Prediction</a:t>
+              <a:t>Comparing Decision Tree and K-Nearest Neighbor for Cerebral Stroke Prediction</a:t>
             </a:r>
             <a:br>
               <a:rPr lang="en-US" sz="3600" b="1" dirty="0"/>
@@ -838,7 +838,7 @@
             <p:spPr>
               <a:xfrm>
                 <a:off x="342899" y="1460500"/>
-                <a:ext cx="17284699" cy="1320800"/>
+                <a:ext cx="17284699" cy="1625600"/>
               </a:xfrm>
               <a:prstGeom prst="rect">
                 <a:avLst/>
@@ -860,39 +860,42 @@
               </a:fontRef>
             </p:style>
             <p:txBody>
-              <a:bodyPr rtlCol="0" anchor="ctr"/>
+              <a:bodyPr rtlCol="0" anchor="t"/>
               <a:lstStyle/>
               <a:p>
                 <a:r>
                   <a:rPr lang="en-US" sz="2400" b="1" dirty="0"/>
-                  <a:t>Description and Motivation of the Problem</a:t>
+                  <a:t>1) Description and Motivation of the Problem</a:t>
                 </a:r>
               </a:p>
               <a:p>
                 <a:r>
                   <a:rPr lang="en-US" dirty="0"/>
-                  <a:t>In England, heart disease is the second leading cause of death according to data from the UK Office for National Statistics (ONS</a:t>
+                  <a:t>In 2020, England recorded cerebrovascular diseases are the third leading cause of death</a:t>
                 </a:r>
                 <a14:m>
                   <m:oMath xmlns:m="http://schemas.openxmlformats.org/officeDocument/2006/math">
                     <m:sSup>
                       <m:sSupPr>
                         <m:ctrlPr>
-                          <a:rPr lang="en-US"/>
+                          <a:rPr lang="en-US" i="1" smtClean="0">
+                            <a:latin typeface="Cambria Math" panose="02040503050406030204" pitchFamily="18" charset="0"/>
+                          </a:rPr>
                         </m:ctrlPr>
                       </m:sSupPr>
                       <m:e>
                         <m:r>
-                          <m:rPr>
-                            <m:nor/>
-                          </m:rPr>
-                          <a:rPr lang="en-US" dirty="0"/>
-                          <m:t>)</m:t>
+                          <a:rPr lang="en-US" b="0" i="1" smtClean="0">
+                            <a:latin typeface="Cambria Math" panose="02040503050406030204" pitchFamily="18" charset="0"/>
+                          </a:rPr>
+                          <m:t> </m:t>
                         </m:r>
                       </m:e>
                       <m:sup>
                         <m:r>
-                          <a:rPr lang="en-US"/>
+                          <a:rPr lang="en-US">
+                            <a:latin typeface="Cambria Math" panose="02040503050406030204" pitchFamily="18" charset="0"/>
+                          </a:rPr>
                           <m:t>1</m:t>
                         </m:r>
                       </m:sup>
@@ -901,7 +904,7 @@
                 </a14:m>
                 <a:r>
                   <a:rPr lang="en-US" dirty="0"/>
-                  <a:t>. Therefore, predicting whether a person will have a heart attack can be of great importance to public health, as it can ensure adequate preparation and quick action in an emergency.  The goal of this project is to train and compare the ability of a Decision Tree and a K-Nearest Neighbor classifier to predict whether a person will suffer a heart stroke.</a:t>
+                  <a:t>. A cerebral stroke is a subtype of these diseases in which the blood supply to part of the brain is interrupted, depriving brain tissue of oxygen and nutrients and causing the death of brain cells within minutes. Therefore, predicting whether a person will have a cerebral stroke can be of great importance to public health, as it can help ensure adequate preparation and quick action in an emergency. The goal of this project is to train and compare the ability of a Decision Tree and a K-Nearest Neighbor classifier to predict whether a person will suffer a heart stroke.</a:t>
                 </a:r>
                 <a:endParaRPr lang="en-CH" dirty="0"/>
               </a:p>
@@ -926,7 +929,7 @@
             <p:spPr>
               <a:xfrm>
                 <a:off x="342899" y="1460500"/>
-                <a:ext cx="17284699" cy="1320800"/>
+                <a:ext cx="17284699" cy="1625600"/>
               </a:xfrm>
               <a:prstGeom prst="rect">
                 <a:avLst/>
@@ -934,7 +937,7 @@
               <a:blipFill>
                 <a:blip r:embed="rId2"/>
                 <a:stretch>
-                  <a:fillRect l="-422" t="-1351" b="-4505"/>
+                  <a:fillRect l="-422" t="-1838" r="-106" b="-735"/>
                 </a:stretch>
               </a:blipFill>
               <a:ln w="38100"/>
@@ -954,6 +957,62 @@
           </p:sp>
         </mc:Fallback>
       </mc:AlternateContent>
+      <p:sp>
+        <p:nvSpPr>
+          <p:cNvPr id="4" name="Rectangle 3">
+            <a:extLst>
+              <a:ext uri="{FF2B5EF4-FFF2-40B4-BE49-F238E27FC236}">
+                <a16:creationId xmlns:a16="http://schemas.microsoft.com/office/drawing/2014/main" id="{294E475F-DE3E-4412-9F35-20A563F1BBCF}"/>
+              </a:ext>
+            </a:extLst>
+          </p:cNvPr>
+          <p:cNvSpPr/>
+          <p:nvPr/>
+        </p:nvSpPr>
+        <p:spPr>
+          <a:xfrm>
+            <a:off x="342899" y="3086100"/>
+            <a:ext cx="17284699" cy="1803400"/>
+          </a:xfrm>
+          <a:prstGeom prst="rect">
+            <a:avLst/>
+          </a:prstGeom>
+          <a:ln w="38100"/>
+        </p:spPr>
+        <p:style>
+          <a:lnRef idx="2">
+            <a:schemeClr val="dk1"/>
+          </a:lnRef>
+          <a:fillRef idx="1">
+            <a:schemeClr val="lt1"/>
+          </a:fillRef>
+          <a:effectRef idx="0">
+            <a:schemeClr val="dk1"/>
+          </a:effectRef>
+          <a:fontRef idx="minor">
+            <a:schemeClr val="dk1"/>
+          </a:fontRef>
+        </p:style>
+        <p:txBody>
+          <a:bodyPr rtlCol="0" anchor="t"/>
+          <a:lstStyle/>
+          <a:p>
+            <a:r>
+              <a:rPr lang="en-US" sz="2400" b="1" dirty="0"/>
+              <a:t>2) Initial analysis of the data set including basic statistics</a:t>
+            </a:r>
+          </a:p>
+          <a:p>
+            <a:endParaRPr lang="en-US" sz="2400" b="1" dirty="0"/>
+          </a:p>
+          <a:p>
+            <a:endParaRPr lang="en-US" sz="2400" b="1" dirty="0"/>
+          </a:p>
+          <a:p>
+            <a:endParaRPr lang="en-US" sz="2400" b="1" dirty="0"/>
+          </a:p>
+        </p:txBody>
+      </p:sp>
     </p:spTree>
     <p:extLst>
       <p:ext uri="{BB962C8B-B14F-4D97-AF65-F5344CB8AC3E}">

--- a/ML_Poster.pptx
+++ b/ML_Poster.pptx
@@ -2,12 +2,12 @@
 <file path=ppt/presentation.xml><?xml version="1.0" encoding="utf-8"?>
 <p:presentation xmlns:a="http://schemas.openxmlformats.org/drawingml/2006/main" xmlns:r="http://schemas.openxmlformats.org/officeDocument/2006/relationships" xmlns:p="http://schemas.openxmlformats.org/presentationml/2006/main" saveSubsetFonts="1">
   <p:sldMasterIdLst>
-    <p:sldMasterId id="2147483684" r:id="rId1"/>
+    <p:sldMasterId id="2147483686" r:id="rId1"/>
   </p:sldMasterIdLst>
   <p:sldIdLst>
     <p:sldId id="256" r:id="rId2"/>
   </p:sldIdLst>
-  <p:sldSz cx="18000663" cy="25199975"/>
+  <p:sldSz cx="21383625" cy="30275213"/>
   <p:notesSz cx="6858000" cy="9144000"/>
   <p:defaultTextStyle>
     <a:defPPr>
@@ -107,12 +107,12 @@
   <p:extLst>
     <p:ext uri="{EFAFB233-063F-42B5-8137-9DF3F51BA10A}">
       <p15:sldGuideLst xmlns:p15="http://schemas.microsoft.com/office/powerpoint/2012/main">
-        <p15:guide id="1" orient="horz" pos="7937" userDrawn="1">
+        <p15:guide id="1" orient="horz" pos="9536" userDrawn="1">
           <p15:clr>
             <a:srgbClr val="A4A3A4"/>
           </p15:clr>
         </p15:guide>
-        <p15:guide id="2" pos="5669" userDrawn="1">
+        <p15:guide id="2" pos="6734" userDrawn="1">
           <p15:clr>
             <a:srgbClr val="A4A3A4"/>
           </p15:clr>
@@ -124,7 +124,7 @@
 </file>
 
 <file path=ppt/slideLayouts/slideLayout1.xml><?xml version="1.0" encoding="utf-8"?>
-<p:sldLayout xmlns:a="http://schemas.openxmlformats.org/drawingml/2006/main" xmlns:r="http://schemas.openxmlformats.org/officeDocument/2006/relationships" xmlns:p="http://schemas.openxmlformats.org/presentationml/2006/main" preserve="1" userDrawn="1">
+<p:sldLayout xmlns:a="http://schemas.openxmlformats.org/drawingml/2006/main" xmlns:r="http://schemas.openxmlformats.org/officeDocument/2006/relationships" xmlns:p="http://schemas.openxmlformats.org/presentationml/2006/main" type="title" preserve="1">
   <p:cSld name="Title Slide">
     <p:spTree>
       <p:nvGrpSpPr>
@@ -142,6 +142,103 @@
       </p:grpSpPr>
       <p:sp>
         <p:nvSpPr>
+          <p:cNvPr id="2" name="Title 1"/>
+          <p:cNvSpPr>
+            <a:spLocks noGrp="1"/>
+          </p:cNvSpPr>
+          <p:nvPr>
+            <p:ph type="ctrTitle"/>
+          </p:nvPr>
+        </p:nvSpPr>
+        <p:spPr>
+          <a:xfrm>
+            <a:off x="1603772" y="4954765"/>
+            <a:ext cx="18176081" cy="10540259"/>
+          </a:xfrm>
+        </p:spPr>
+        <p:txBody>
+          <a:bodyPr anchor="b"/>
+          <a:lstStyle>
+            <a:lvl1pPr algn="ctr">
+              <a:defRPr sz="14031"/>
+            </a:lvl1pPr>
+          </a:lstStyle>
+          <a:p>
+            <a:r>
+              <a:rPr lang="en-US"/>
+              <a:t>Click to edit Master title style</a:t>
+            </a:r>
+            <a:endParaRPr lang="en-US" dirty="0"/>
+          </a:p>
+        </p:txBody>
+      </p:sp>
+      <p:sp>
+        <p:nvSpPr>
+          <p:cNvPr id="3" name="Subtitle 2"/>
+          <p:cNvSpPr>
+            <a:spLocks noGrp="1"/>
+          </p:cNvSpPr>
+          <p:nvPr>
+            <p:ph type="subTitle" idx="1"/>
+          </p:nvPr>
+        </p:nvSpPr>
+        <p:spPr>
+          <a:xfrm>
+            <a:off x="2672953" y="15901497"/>
+            <a:ext cx="16037719" cy="7309499"/>
+          </a:xfrm>
+        </p:spPr>
+        <p:txBody>
+          <a:bodyPr/>
+          <a:lstStyle>
+            <a:lvl1pPr marL="0" indent="0" algn="ctr">
+              <a:buNone/>
+              <a:defRPr sz="5612"/>
+            </a:lvl1pPr>
+            <a:lvl2pPr marL="1069162" indent="0" algn="ctr">
+              <a:buNone/>
+              <a:defRPr sz="4677"/>
+            </a:lvl2pPr>
+            <a:lvl3pPr marL="2138324" indent="0" algn="ctr">
+              <a:buNone/>
+              <a:defRPr sz="4209"/>
+            </a:lvl3pPr>
+            <a:lvl4pPr marL="3207487" indent="0" algn="ctr">
+              <a:buNone/>
+              <a:defRPr sz="3742"/>
+            </a:lvl4pPr>
+            <a:lvl5pPr marL="4276649" indent="0" algn="ctr">
+              <a:buNone/>
+              <a:defRPr sz="3742"/>
+            </a:lvl5pPr>
+            <a:lvl6pPr marL="5345811" indent="0" algn="ctr">
+              <a:buNone/>
+              <a:defRPr sz="3742"/>
+            </a:lvl6pPr>
+            <a:lvl7pPr marL="6414973" indent="0" algn="ctr">
+              <a:buNone/>
+              <a:defRPr sz="3742"/>
+            </a:lvl7pPr>
+            <a:lvl8pPr marL="7484135" indent="0" algn="ctr">
+              <a:buNone/>
+              <a:defRPr sz="3742"/>
+            </a:lvl8pPr>
+            <a:lvl9pPr marL="8553298" indent="0" algn="ctr">
+              <a:buNone/>
+              <a:defRPr sz="3742"/>
+            </a:lvl9pPr>
+          </a:lstStyle>
+          <a:p>
+            <a:r>
+              <a:rPr lang="en-US"/>
+              <a:t>Click to edit Master subtitle style</a:t>
+            </a:r>
+            <a:endParaRPr lang="en-US" dirty="0"/>
+          </a:p>
+        </p:txBody>
+      </p:sp>
+      <p:sp>
+        <p:nvSpPr>
           <p:cNvPr id="4" name="Date Placeholder 3"/>
           <p:cNvSpPr>
             <a:spLocks noGrp="1"/>
@@ -157,7 +254,7 @@
           <a:p>
             <a:fld id="{AFD5325B-1A15-4464-AC58-4D5851FBB6B7}" type="datetimeFigureOut">
               <a:rPr lang="en-CH" smtClean="0"/>
-              <a:t>18/11/2021</a:t>
+              <a:t>11/19/2021</a:t>
             </a:fld>
             <a:endParaRPr lang="en-CH"/>
           </a:p>
@@ -208,7 +305,2212 @@
     </p:spTree>
     <p:extLst>
       <p:ext uri="{BB962C8B-B14F-4D97-AF65-F5344CB8AC3E}">
-        <p14:creationId xmlns:p14="http://schemas.microsoft.com/office/powerpoint/2010/main" val="3460036169"/>
+        <p14:creationId xmlns:p14="http://schemas.microsoft.com/office/powerpoint/2010/main" val="3887525602"/>
+      </p:ext>
+    </p:extLst>
+  </p:cSld>
+  <p:clrMapOvr>
+    <a:masterClrMapping/>
+  </p:clrMapOvr>
+</p:sldLayout>
+</file>
+
+<file path=ppt/slideLayouts/slideLayout10.xml><?xml version="1.0" encoding="utf-8"?>
+<p:sldLayout xmlns:a="http://schemas.openxmlformats.org/drawingml/2006/main" xmlns:r="http://schemas.openxmlformats.org/officeDocument/2006/relationships" xmlns:p="http://schemas.openxmlformats.org/presentationml/2006/main" type="vertTx" preserve="1">
+  <p:cSld name="Title and Vertical Text">
+    <p:spTree>
+      <p:nvGrpSpPr>
+        <p:cNvPr id="1" name=""/>
+        <p:cNvGrpSpPr/>
+        <p:nvPr/>
+      </p:nvGrpSpPr>
+      <p:grpSpPr>
+        <a:xfrm>
+          <a:off x="0" y="0"/>
+          <a:ext cx="0" cy="0"/>
+          <a:chOff x="0" y="0"/>
+          <a:chExt cx="0" cy="0"/>
+        </a:xfrm>
+      </p:grpSpPr>
+      <p:sp>
+        <p:nvSpPr>
+          <p:cNvPr id="2" name="Title 1"/>
+          <p:cNvSpPr>
+            <a:spLocks noGrp="1"/>
+          </p:cNvSpPr>
+          <p:nvPr>
+            <p:ph type="title"/>
+          </p:nvPr>
+        </p:nvSpPr>
+        <p:spPr/>
+        <p:txBody>
+          <a:bodyPr/>
+          <a:lstStyle/>
+          <a:p>
+            <a:r>
+              <a:rPr lang="en-US"/>
+              <a:t>Click to edit Master title style</a:t>
+            </a:r>
+            <a:endParaRPr lang="en-US" dirty="0"/>
+          </a:p>
+        </p:txBody>
+      </p:sp>
+      <p:sp>
+        <p:nvSpPr>
+          <p:cNvPr id="3" name="Vertical Text Placeholder 2"/>
+          <p:cNvSpPr>
+            <a:spLocks noGrp="1"/>
+          </p:cNvSpPr>
+          <p:nvPr>
+            <p:ph type="body" orient="vert" idx="1"/>
+          </p:nvPr>
+        </p:nvSpPr>
+        <p:spPr/>
+        <p:txBody>
+          <a:bodyPr vert="eaVert"/>
+          <a:lstStyle/>
+          <a:p>
+            <a:pPr lvl="0"/>
+            <a:r>
+              <a:rPr lang="en-US"/>
+              <a:t>Click to edit Master text styles</a:t>
+            </a:r>
+          </a:p>
+          <a:p>
+            <a:pPr lvl="1"/>
+            <a:r>
+              <a:rPr lang="en-US"/>
+              <a:t>Second level</a:t>
+            </a:r>
+          </a:p>
+          <a:p>
+            <a:pPr lvl="2"/>
+            <a:r>
+              <a:rPr lang="en-US"/>
+              <a:t>Third level</a:t>
+            </a:r>
+          </a:p>
+          <a:p>
+            <a:pPr lvl="3"/>
+            <a:r>
+              <a:rPr lang="en-US"/>
+              <a:t>Fourth level</a:t>
+            </a:r>
+          </a:p>
+          <a:p>
+            <a:pPr lvl="4"/>
+            <a:r>
+              <a:rPr lang="en-US"/>
+              <a:t>Fifth level</a:t>
+            </a:r>
+            <a:endParaRPr lang="en-US" dirty="0"/>
+          </a:p>
+        </p:txBody>
+      </p:sp>
+      <p:sp>
+        <p:nvSpPr>
+          <p:cNvPr id="4" name="Date Placeholder 3"/>
+          <p:cNvSpPr>
+            <a:spLocks noGrp="1"/>
+          </p:cNvSpPr>
+          <p:nvPr>
+            <p:ph type="dt" sz="half" idx="10"/>
+          </p:nvPr>
+        </p:nvSpPr>
+        <p:spPr/>
+        <p:txBody>
+          <a:bodyPr/>
+          <a:lstStyle/>
+          <a:p>
+            <a:fld id="{AFD5325B-1A15-4464-AC58-4D5851FBB6B7}" type="datetimeFigureOut">
+              <a:rPr lang="en-CH" smtClean="0"/>
+              <a:t>11/19/2021</a:t>
+            </a:fld>
+            <a:endParaRPr lang="en-CH"/>
+          </a:p>
+        </p:txBody>
+      </p:sp>
+      <p:sp>
+        <p:nvSpPr>
+          <p:cNvPr id="5" name="Footer Placeholder 4"/>
+          <p:cNvSpPr>
+            <a:spLocks noGrp="1"/>
+          </p:cNvSpPr>
+          <p:nvPr>
+            <p:ph type="ftr" sz="quarter" idx="11"/>
+          </p:nvPr>
+        </p:nvSpPr>
+        <p:spPr/>
+        <p:txBody>
+          <a:bodyPr/>
+          <a:lstStyle/>
+          <a:p>
+            <a:endParaRPr lang="en-CH"/>
+          </a:p>
+        </p:txBody>
+      </p:sp>
+      <p:sp>
+        <p:nvSpPr>
+          <p:cNvPr id="6" name="Slide Number Placeholder 5"/>
+          <p:cNvSpPr>
+            <a:spLocks noGrp="1"/>
+          </p:cNvSpPr>
+          <p:nvPr>
+            <p:ph type="sldNum" sz="quarter" idx="12"/>
+          </p:nvPr>
+        </p:nvSpPr>
+        <p:spPr/>
+        <p:txBody>
+          <a:bodyPr/>
+          <a:lstStyle/>
+          <a:p>
+            <a:fld id="{D29F7A94-EF69-4C27-A7DD-1BE96FE8015C}" type="slidenum">
+              <a:rPr lang="en-CH" smtClean="0"/>
+              <a:t>‹#›</a:t>
+            </a:fld>
+            <a:endParaRPr lang="en-CH"/>
+          </a:p>
+        </p:txBody>
+      </p:sp>
+    </p:spTree>
+    <p:extLst>
+      <p:ext uri="{BB962C8B-B14F-4D97-AF65-F5344CB8AC3E}">
+        <p14:creationId xmlns:p14="http://schemas.microsoft.com/office/powerpoint/2010/main" val="2566605183"/>
+      </p:ext>
+    </p:extLst>
+  </p:cSld>
+  <p:clrMapOvr>
+    <a:masterClrMapping/>
+  </p:clrMapOvr>
+</p:sldLayout>
+</file>
+
+<file path=ppt/slideLayouts/slideLayout11.xml><?xml version="1.0" encoding="utf-8"?>
+<p:sldLayout xmlns:a="http://schemas.openxmlformats.org/drawingml/2006/main" xmlns:r="http://schemas.openxmlformats.org/officeDocument/2006/relationships" xmlns:p="http://schemas.openxmlformats.org/presentationml/2006/main" type="vertTitleAndTx" preserve="1">
+  <p:cSld name="Vertical Title and Text">
+    <p:spTree>
+      <p:nvGrpSpPr>
+        <p:cNvPr id="1" name=""/>
+        <p:cNvGrpSpPr/>
+        <p:nvPr/>
+      </p:nvGrpSpPr>
+      <p:grpSpPr>
+        <a:xfrm>
+          <a:off x="0" y="0"/>
+          <a:ext cx="0" cy="0"/>
+          <a:chOff x="0" y="0"/>
+          <a:chExt cx="0" cy="0"/>
+        </a:xfrm>
+      </p:grpSpPr>
+      <p:sp>
+        <p:nvSpPr>
+          <p:cNvPr id="2" name="Vertical Title 1"/>
+          <p:cNvSpPr>
+            <a:spLocks noGrp="1"/>
+          </p:cNvSpPr>
+          <p:nvPr>
+            <p:ph type="title" orient="vert"/>
+          </p:nvPr>
+        </p:nvSpPr>
+        <p:spPr>
+          <a:xfrm>
+            <a:off x="15302658" y="1611875"/>
+            <a:ext cx="4610844" cy="25656844"/>
+          </a:xfrm>
+        </p:spPr>
+        <p:txBody>
+          <a:bodyPr vert="eaVert"/>
+          <a:lstStyle/>
+          <a:p>
+            <a:r>
+              <a:rPr lang="en-US"/>
+              <a:t>Click to edit Master title style</a:t>
+            </a:r>
+            <a:endParaRPr lang="en-US" dirty="0"/>
+          </a:p>
+        </p:txBody>
+      </p:sp>
+      <p:sp>
+        <p:nvSpPr>
+          <p:cNvPr id="3" name="Vertical Text Placeholder 2"/>
+          <p:cNvSpPr>
+            <a:spLocks noGrp="1"/>
+          </p:cNvSpPr>
+          <p:nvPr>
+            <p:ph type="body" orient="vert" idx="1"/>
+          </p:nvPr>
+        </p:nvSpPr>
+        <p:spPr>
+          <a:xfrm>
+            <a:off x="1470125" y="1611875"/>
+            <a:ext cx="13565237" cy="25656844"/>
+          </a:xfrm>
+        </p:spPr>
+        <p:txBody>
+          <a:bodyPr vert="eaVert"/>
+          <a:lstStyle/>
+          <a:p>
+            <a:pPr lvl="0"/>
+            <a:r>
+              <a:rPr lang="en-US"/>
+              <a:t>Click to edit Master text styles</a:t>
+            </a:r>
+          </a:p>
+          <a:p>
+            <a:pPr lvl="1"/>
+            <a:r>
+              <a:rPr lang="en-US"/>
+              <a:t>Second level</a:t>
+            </a:r>
+          </a:p>
+          <a:p>
+            <a:pPr lvl="2"/>
+            <a:r>
+              <a:rPr lang="en-US"/>
+              <a:t>Third level</a:t>
+            </a:r>
+          </a:p>
+          <a:p>
+            <a:pPr lvl="3"/>
+            <a:r>
+              <a:rPr lang="en-US"/>
+              <a:t>Fourth level</a:t>
+            </a:r>
+          </a:p>
+          <a:p>
+            <a:pPr lvl="4"/>
+            <a:r>
+              <a:rPr lang="en-US"/>
+              <a:t>Fifth level</a:t>
+            </a:r>
+            <a:endParaRPr lang="en-US" dirty="0"/>
+          </a:p>
+        </p:txBody>
+      </p:sp>
+      <p:sp>
+        <p:nvSpPr>
+          <p:cNvPr id="4" name="Date Placeholder 3"/>
+          <p:cNvSpPr>
+            <a:spLocks noGrp="1"/>
+          </p:cNvSpPr>
+          <p:nvPr>
+            <p:ph type="dt" sz="half" idx="10"/>
+          </p:nvPr>
+        </p:nvSpPr>
+        <p:spPr/>
+        <p:txBody>
+          <a:bodyPr/>
+          <a:lstStyle/>
+          <a:p>
+            <a:fld id="{AFD5325B-1A15-4464-AC58-4D5851FBB6B7}" type="datetimeFigureOut">
+              <a:rPr lang="en-CH" smtClean="0"/>
+              <a:t>11/19/2021</a:t>
+            </a:fld>
+            <a:endParaRPr lang="en-CH"/>
+          </a:p>
+        </p:txBody>
+      </p:sp>
+      <p:sp>
+        <p:nvSpPr>
+          <p:cNvPr id="5" name="Footer Placeholder 4"/>
+          <p:cNvSpPr>
+            <a:spLocks noGrp="1"/>
+          </p:cNvSpPr>
+          <p:nvPr>
+            <p:ph type="ftr" sz="quarter" idx="11"/>
+          </p:nvPr>
+        </p:nvSpPr>
+        <p:spPr/>
+        <p:txBody>
+          <a:bodyPr/>
+          <a:lstStyle/>
+          <a:p>
+            <a:endParaRPr lang="en-CH"/>
+          </a:p>
+        </p:txBody>
+      </p:sp>
+      <p:sp>
+        <p:nvSpPr>
+          <p:cNvPr id="6" name="Slide Number Placeholder 5"/>
+          <p:cNvSpPr>
+            <a:spLocks noGrp="1"/>
+          </p:cNvSpPr>
+          <p:nvPr>
+            <p:ph type="sldNum" sz="quarter" idx="12"/>
+          </p:nvPr>
+        </p:nvSpPr>
+        <p:spPr/>
+        <p:txBody>
+          <a:bodyPr/>
+          <a:lstStyle/>
+          <a:p>
+            <a:fld id="{D29F7A94-EF69-4C27-A7DD-1BE96FE8015C}" type="slidenum">
+              <a:rPr lang="en-CH" smtClean="0"/>
+              <a:t>‹#›</a:t>
+            </a:fld>
+            <a:endParaRPr lang="en-CH"/>
+          </a:p>
+        </p:txBody>
+      </p:sp>
+    </p:spTree>
+    <p:extLst>
+      <p:ext uri="{BB962C8B-B14F-4D97-AF65-F5344CB8AC3E}">
+        <p14:creationId xmlns:p14="http://schemas.microsoft.com/office/powerpoint/2010/main" val="473859373"/>
+      </p:ext>
+    </p:extLst>
+  </p:cSld>
+  <p:clrMapOvr>
+    <a:masterClrMapping/>
+  </p:clrMapOvr>
+</p:sldLayout>
+</file>
+
+<file path=ppt/slideLayouts/slideLayout12.xml><?xml version="1.0" encoding="utf-8"?>
+<p:sldLayout xmlns:a="http://schemas.openxmlformats.org/drawingml/2006/main" xmlns:r="http://schemas.openxmlformats.org/officeDocument/2006/relationships" xmlns:p="http://schemas.openxmlformats.org/presentationml/2006/main" userDrawn="1">
+  <p:cSld name="1_Title Slide">
+    <p:spTree>
+      <p:nvGrpSpPr>
+        <p:cNvPr id="1" name=""/>
+        <p:cNvGrpSpPr/>
+        <p:nvPr/>
+      </p:nvGrpSpPr>
+      <p:grpSpPr>
+        <a:xfrm>
+          <a:off x="0" y="0"/>
+          <a:ext cx="0" cy="0"/>
+          <a:chOff x="0" y="0"/>
+          <a:chExt cx="0" cy="0"/>
+        </a:xfrm>
+      </p:grpSpPr>
+      <p:sp>
+        <p:nvSpPr>
+          <p:cNvPr id="4" name="Date Placeholder 3"/>
+          <p:cNvSpPr>
+            <a:spLocks noGrp="1"/>
+          </p:cNvSpPr>
+          <p:nvPr>
+            <p:ph type="dt" sz="half" idx="10"/>
+          </p:nvPr>
+        </p:nvSpPr>
+        <p:spPr/>
+        <p:txBody>
+          <a:bodyPr/>
+          <a:lstStyle/>
+          <a:p>
+            <a:fld id="{AFD5325B-1A15-4464-AC58-4D5851FBB6B7}" type="datetimeFigureOut">
+              <a:rPr lang="en-CH" smtClean="0"/>
+              <a:t>11/19/2021</a:t>
+            </a:fld>
+            <a:endParaRPr lang="en-CH"/>
+          </a:p>
+        </p:txBody>
+      </p:sp>
+      <p:sp>
+        <p:nvSpPr>
+          <p:cNvPr id="5" name="Footer Placeholder 4"/>
+          <p:cNvSpPr>
+            <a:spLocks noGrp="1"/>
+          </p:cNvSpPr>
+          <p:nvPr>
+            <p:ph type="ftr" sz="quarter" idx="11"/>
+          </p:nvPr>
+        </p:nvSpPr>
+        <p:spPr/>
+        <p:txBody>
+          <a:bodyPr/>
+          <a:lstStyle/>
+          <a:p>
+            <a:endParaRPr lang="en-CH"/>
+          </a:p>
+        </p:txBody>
+      </p:sp>
+      <p:sp>
+        <p:nvSpPr>
+          <p:cNvPr id="6" name="Slide Number Placeholder 5"/>
+          <p:cNvSpPr>
+            <a:spLocks noGrp="1"/>
+          </p:cNvSpPr>
+          <p:nvPr>
+            <p:ph type="sldNum" sz="quarter" idx="12"/>
+          </p:nvPr>
+        </p:nvSpPr>
+        <p:spPr/>
+        <p:txBody>
+          <a:bodyPr/>
+          <a:lstStyle/>
+          <a:p>
+            <a:fld id="{D29F7A94-EF69-4C27-A7DD-1BE96FE8015C}" type="slidenum">
+              <a:rPr lang="en-CH" smtClean="0"/>
+              <a:t>‹#›</a:t>
+            </a:fld>
+            <a:endParaRPr lang="en-CH"/>
+          </a:p>
+        </p:txBody>
+      </p:sp>
+    </p:spTree>
+    <p:extLst>
+      <p:ext uri="{BB962C8B-B14F-4D97-AF65-F5344CB8AC3E}">
+        <p14:creationId xmlns:p14="http://schemas.microsoft.com/office/powerpoint/2010/main" val="2949509547"/>
+      </p:ext>
+    </p:extLst>
+  </p:cSld>
+  <p:clrMapOvr>
+    <a:masterClrMapping/>
+  </p:clrMapOvr>
+</p:sldLayout>
+</file>
+
+<file path=ppt/slideLayouts/slideLayout2.xml><?xml version="1.0" encoding="utf-8"?>
+<p:sldLayout xmlns:a="http://schemas.openxmlformats.org/drawingml/2006/main" xmlns:r="http://schemas.openxmlformats.org/officeDocument/2006/relationships" xmlns:p="http://schemas.openxmlformats.org/presentationml/2006/main" type="obj" preserve="1">
+  <p:cSld name="Title and Content">
+    <p:spTree>
+      <p:nvGrpSpPr>
+        <p:cNvPr id="1" name=""/>
+        <p:cNvGrpSpPr/>
+        <p:nvPr/>
+      </p:nvGrpSpPr>
+      <p:grpSpPr>
+        <a:xfrm>
+          <a:off x="0" y="0"/>
+          <a:ext cx="0" cy="0"/>
+          <a:chOff x="0" y="0"/>
+          <a:chExt cx="0" cy="0"/>
+        </a:xfrm>
+      </p:grpSpPr>
+      <p:sp>
+        <p:nvSpPr>
+          <p:cNvPr id="2" name="Title 1"/>
+          <p:cNvSpPr>
+            <a:spLocks noGrp="1"/>
+          </p:cNvSpPr>
+          <p:nvPr>
+            <p:ph type="title"/>
+          </p:nvPr>
+        </p:nvSpPr>
+        <p:spPr/>
+        <p:txBody>
+          <a:bodyPr/>
+          <a:lstStyle/>
+          <a:p>
+            <a:r>
+              <a:rPr lang="en-US"/>
+              <a:t>Click to edit Master title style</a:t>
+            </a:r>
+            <a:endParaRPr lang="en-US" dirty="0"/>
+          </a:p>
+        </p:txBody>
+      </p:sp>
+      <p:sp>
+        <p:nvSpPr>
+          <p:cNvPr id="3" name="Content Placeholder 2"/>
+          <p:cNvSpPr>
+            <a:spLocks noGrp="1"/>
+          </p:cNvSpPr>
+          <p:nvPr>
+            <p:ph idx="1"/>
+          </p:nvPr>
+        </p:nvSpPr>
+        <p:spPr/>
+        <p:txBody>
+          <a:bodyPr/>
+          <a:lstStyle/>
+          <a:p>
+            <a:pPr lvl="0"/>
+            <a:r>
+              <a:rPr lang="en-US"/>
+              <a:t>Click to edit Master text styles</a:t>
+            </a:r>
+          </a:p>
+          <a:p>
+            <a:pPr lvl="1"/>
+            <a:r>
+              <a:rPr lang="en-US"/>
+              <a:t>Second level</a:t>
+            </a:r>
+          </a:p>
+          <a:p>
+            <a:pPr lvl="2"/>
+            <a:r>
+              <a:rPr lang="en-US"/>
+              <a:t>Third level</a:t>
+            </a:r>
+          </a:p>
+          <a:p>
+            <a:pPr lvl="3"/>
+            <a:r>
+              <a:rPr lang="en-US"/>
+              <a:t>Fourth level</a:t>
+            </a:r>
+          </a:p>
+          <a:p>
+            <a:pPr lvl="4"/>
+            <a:r>
+              <a:rPr lang="en-US"/>
+              <a:t>Fifth level</a:t>
+            </a:r>
+            <a:endParaRPr lang="en-US" dirty="0"/>
+          </a:p>
+        </p:txBody>
+      </p:sp>
+      <p:sp>
+        <p:nvSpPr>
+          <p:cNvPr id="4" name="Date Placeholder 3"/>
+          <p:cNvSpPr>
+            <a:spLocks noGrp="1"/>
+          </p:cNvSpPr>
+          <p:nvPr>
+            <p:ph type="dt" sz="half" idx="10"/>
+          </p:nvPr>
+        </p:nvSpPr>
+        <p:spPr/>
+        <p:txBody>
+          <a:bodyPr/>
+          <a:lstStyle/>
+          <a:p>
+            <a:fld id="{AFD5325B-1A15-4464-AC58-4D5851FBB6B7}" type="datetimeFigureOut">
+              <a:rPr lang="en-CH" smtClean="0"/>
+              <a:t>11/19/2021</a:t>
+            </a:fld>
+            <a:endParaRPr lang="en-CH"/>
+          </a:p>
+        </p:txBody>
+      </p:sp>
+      <p:sp>
+        <p:nvSpPr>
+          <p:cNvPr id="5" name="Footer Placeholder 4"/>
+          <p:cNvSpPr>
+            <a:spLocks noGrp="1"/>
+          </p:cNvSpPr>
+          <p:nvPr>
+            <p:ph type="ftr" sz="quarter" idx="11"/>
+          </p:nvPr>
+        </p:nvSpPr>
+        <p:spPr/>
+        <p:txBody>
+          <a:bodyPr/>
+          <a:lstStyle/>
+          <a:p>
+            <a:endParaRPr lang="en-CH"/>
+          </a:p>
+        </p:txBody>
+      </p:sp>
+      <p:sp>
+        <p:nvSpPr>
+          <p:cNvPr id="6" name="Slide Number Placeholder 5"/>
+          <p:cNvSpPr>
+            <a:spLocks noGrp="1"/>
+          </p:cNvSpPr>
+          <p:nvPr>
+            <p:ph type="sldNum" sz="quarter" idx="12"/>
+          </p:nvPr>
+        </p:nvSpPr>
+        <p:spPr/>
+        <p:txBody>
+          <a:bodyPr/>
+          <a:lstStyle/>
+          <a:p>
+            <a:fld id="{D29F7A94-EF69-4C27-A7DD-1BE96FE8015C}" type="slidenum">
+              <a:rPr lang="en-CH" smtClean="0"/>
+              <a:t>‹#›</a:t>
+            </a:fld>
+            <a:endParaRPr lang="en-CH"/>
+          </a:p>
+        </p:txBody>
+      </p:sp>
+    </p:spTree>
+    <p:extLst>
+      <p:ext uri="{BB962C8B-B14F-4D97-AF65-F5344CB8AC3E}">
+        <p14:creationId xmlns:p14="http://schemas.microsoft.com/office/powerpoint/2010/main" val="530658442"/>
+      </p:ext>
+    </p:extLst>
+  </p:cSld>
+  <p:clrMapOvr>
+    <a:masterClrMapping/>
+  </p:clrMapOvr>
+</p:sldLayout>
+</file>
+
+<file path=ppt/slideLayouts/slideLayout3.xml><?xml version="1.0" encoding="utf-8"?>
+<p:sldLayout xmlns:a="http://schemas.openxmlformats.org/drawingml/2006/main" xmlns:r="http://schemas.openxmlformats.org/officeDocument/2006/relationships" xmlns:p="http://schemas.openxmlformats.org/presentationml/2006/main" type="secHead" preserve="1">
+  <p:cSld name="Section Header">
+    <p:spTree>
+      <p:nvGrpSpPr>
+        <p:cNvPr id="1" name=""/>
+        <p:cNvGrpSpPr/>
+        <p:nvPr/>
+      </p:nvGrpSpPr>
+      <p:grpSpPr>
+        <a:xfrm>
+          <a:off x="0" y="0"/>
+          <a:ext cx="0" cy="0"/>
+          <a:chOff x="0" y="0"/>
+          <a:chExt cx="0" cy="0"/>
+        </a:xfrm>
+      </p:grpSpPr>
+      <p:sp>
+        <p:nvSpPr>
+          <p:cNvPr id="2" name="Title 1"/>
+          <p:cNvSpPr>
+            <a:spLocks noGrp="1"/>
+          </p:cNvSpPr>
+          <p:nvPr>
+            <p:ph type="title"/>
+          </p:nvPr>
+        </p:nvSpPr>
+        <p:spPr>
+          <a:xfrm>
+            <a:off x="1458988" y="7547788"/>
+            <a:ext cx="18443377" cy="12593645"/>
+          </a:xfrm>
+        </p:spPr>
+        <p:txBody>
+          <a:bodyPr anchor="b"/>
+          <a:lstStyle>
+            <a:lvl1pPr>
+              <a:defRPr sz="14031"/>
+            </a:lvl1pPr>
+          </a:lstStyle>
+          <a:p>
+            <a:r>
+              <a:rPr lang="en-US"/>
+              <a:t>Click to edit Master title style</a:t>
+            </a:r>
+            <a:endParaRPr lang="en-US" dirty="0"/>
+          </a:p>
+        </p:txBody>
+      </p:sp>
+      <p:sp>
+        <p:nvSpPr>
+          <p:cNvPr id="3" name="Text Placeholder 2"/>
+          <p:cNvSpPr>
+            <a:spLocks noGrp="1"/>
+          </p:cNvSpPr>
+          <p:nvPr>
+            <p:ph type="body" idx="1"/>
+          </p:nvPr>
+        </p:nvSpPr>
+        <p:spPr>
+          <a:xfrm>
+            <a:off x="1458988" y="20260574"/>
+            <a:ext cx="18443377" cy="6622701"/>
+          </a:xfrm>
+        </p:spPr>
+        <p:txBody>
+          <a:bodyPr/>
+          <a:lstStyle>
+            <a:lvl1pPr marL="0" indent="0">
+              <a:buNone/>
+              <a:defRPr sz="5612">
+                <a:solidFill>
+                  <a:schemeClr val="tx1"/>
+                </a:solidFill>
+              </a:defRPr>
+            </a:lvl1pPr>
+            <a:lvl2pPr marL="1069162" indent="0">
+              <a:buNone/>
+              <a:defRPr sz="4677">
+                <a:solidFill>
+                  <a:schemeClr val="tx1">
+                    <a:tint val="75000"/>
+                  </a:schemeClr>
+                </a:solidFill>
+              </a:defRPr>
+            </a:lvl2pPr>
+            <a:lvl3pPr marL="2138324" indent="0">
+              <a:buNone/>
+              <a:defRPr sz="4209">
+                <a:solidFill>
+                  <a:schemeClr val="tx1">
+                    <a:tint val="75000"/>
+                  </a:schemeClr>
+                </a:solidFill>
+              </a:defRPr>
+            </a:lvl3pPr>
+            <a:lvl4pPr marL="3207487" indent="0">
+              <a:buNone/>
+              <a:defRPr sz="3742">
+                <a:solidFill>
+                  <a:schemeClr val="tx1">
+                    <a:tint val="75000"/>
+                  </a:schemeClr>
+                </a:solidFill>
+              </a:defRPr>
+            </a:lvl4pPr>
+            <a:lvl5pPr marL="4276649" indent="0">
+              <a:buNone/>
+              <a:defRPr sz="3742">
+                <a:solidFill>
+                  <a:schemeClr val="tx1">
+                    <a:tint val="75000"/>
+                  </a:schemeClr>
+                </a:solidFill>
+              </a:defRPr>
+            </a:lvl5pPr>
+            <a:lvl6pPr marL="5345811" indent="0">
+              <a:buNone/>
+              <a:defRPr sz="3742">
+                <a:solidFill>
+                  <a:schemeClr val="tx1">
+                    <a:tint val="75000"/>
+                  </a:schemeClr>
+                </a:solidFill>
+              </a:defRPr>
+            </a:lvl6pPr>
+            <a:lvl7pPr marL="6414973" indent="0">
+              <a:buNone/>
+              <a:defRPr sz="3742">
+                <a:solidFill>
+                  <a:schemeClr val="tx1">
+                    <a:tint val="75000"/>
+                  </a:schemeClr>
+                </a:solidFill>
+              </a:defRPr>
+            </a:lvl7pPr>
+            <a:lvl8pPr marL="7484135" indent="0">
+              <a:buNone/>
+              <a:defRPr sz="3742">
+                <a:solidFill>
+                  <a:schemeClr val="tx1">
+                    <a:tint val="75000"/>
+                  </a:schemeClr>
+                </a:solidFill>
+              </a:defRPr>
+            </a:lvl8pPr>
+            <a:lvl9pPr marL="8553298" indent="0">
+              <a:buNone/>
+              <a:defRPr sz="3742">
+                <a:solidFill>
+                  <a:schemeClr val="tx1">
+                    <a:tint val="75000"/>
+                  </a:schemeClr>
+                </a:solidFill>
+              </a:defRPr>
+            </a:lvl9pPr>
+          </a:lstStyle>
+          <a:p>
+            <a:pPr lvl="0"/>
+            <a:r>
+              <a:rPr lang="en-US"/>
+              <a:t>Click to edit Master text styles</a:t>
+            </a:r>
+          </a:p>
+        </p:txBody>
+      </p:sp>
+      <p:sp>
+        <p:nvSpPr>
+          <p:cNvPr id="4" name="Date Placeholder 3"/>
+          <p:cNvSpPr>
+            <a:spLocks noGrp="1"/>
+          </p:cNvSpPr>
+          <p:nvPr>
+            <p:ph type="dt" sz="half" idx="10"/>
+          </p:nvPr>
+        </p:nvSpPr>
+        <p:spPr/>
+        <p:txBody>
+          <a:bodyPr/>
+          <a:lstStyle/>
+          <a:p>
+            <a:fld id="{AFD5325B-1A15-4464-AC58-4D5851FBB6B7}" type="datetimeFigureOut">
+              <a:rPr lang="en-CH" smtClean="0"/>
+              <a:t>11/19/2021</a:t>
+            </a:fld>
+            <a:endParaRPr lang="en-CH"/>
+          </a:p>
+        </p:txBody>
+      </p:sp>
+      <p:sp>
+        <p:nvSpPr>
+          <p:cNvPr id="5" name="Footer Placeholder 4"/>
+          <p:cNvSpPr>
+            <a:spLocks noGrp="1"/>
+          </p:cNvSpPr>
+          <p:nvPr>
+            <p:ph type="ftr" sz="quarter" idx="11"/>
+          </p:nvPr>
+        </p:nvSpPr>
+        <p:spPr/>
+        <p:txBody>
+          <a:bodyPr/>
+          <a:lstStyle/>
+          <a:p>
+            <a:endParaRPr lang="en-CH"/>
+          </a:p>
+        </p:txBody>
+      </p:sp>
+      <p:sp>
+        <p:nvSpPr>
+          <p:cNvPr id="6" name="Slide Number Placeholder 5"/>
+          <p:cNvSpPr>
+            <a:spLocks noGrp="1"/>
+          </p:cNvSpPr>
+          <p:nvPr>
+            <p:ph type="sldNum" sz="quarter" idx="12"/>
+          </p:nvPr>
+        </p:nvSpPr>
+        <p:spPr/>
+        <p:txBody>
+          <a:bodyPr/>
+          <a:lstStyle/>
+          <a:p>
+            <a:fld id="{D29F7A94-EF69-4C27-A7DD-1BE96FE8015C}" type="slidenum">
+              <a:rPr lang="en-CH" smtClean="0"/>
+              <a:t>‹#›</a:t>
+            </a:fld>
+            <a:endParaRPr lang="en-CH"/>
+          </a:p>
+        </p:txBody>
+      </p:sp>
+    </p:spTree>
+    <p:extLst>
+      <p:ext uri="{BB962C8B-B14F-4D97-AF65-F5344CB8AC3E}">
+        <p14:creationId xmlns:p14="http://schemas.microsoft.com/office/powerpoint/2010/main" val="975166095"/>
+      </p:ext>
+    </p:extLst>
+  </p:cSld>
+  <p:clrMapOvr>
+    <a:masterClrMapping/>
+  </p:clrMapOvr>
+</p:sldLayout>
+</file>
+
+<file path=ppt/slideLayouts/slideLayout4.xml><?xml version="1.0" encoding="utf-8"?>
+<p:sldLayout xmlns:a="http://schemas.openxmlformats.org/drawingml/2006/main" xmlns:r="http://schemas.openxmlformats.org/officeDocument/2006/relationships" xmlns:p="http://schemas.openxmlformats.org/presentationml/2006/main" type="twoObj" preserve="1">
+  <p:cSld name="Two Content">
+    <p:spTree>
+      <p:nvGrpSpPr>
+        <p:cNvPr id="1" name=""/>
+        <p:cNvGrpSpPr/>
+        <p:nvPr/>
+      </p:nvGrpSpPr>
+      <p:grpSpPr>
+        <a:xfrm>
+          <a:off x="0" y="0"/>
+          <a:ext cx="0" cy="0"/>
+          <a:chOff x="0" y="0"/>
+          <a:chExt cx="0" cy="0"/>
+        </a:xfrm>
+      </p:grpSpPr>
+      <p:sp>
+        <p:nvSpPr>
+          <p:cNvPr id="2" name="Title 1"/>
+          <p:cNvSpPr>
+            <a:spLocks noGrp="1"/>
+          </p:cNvSpPr>
+          <p:nvPr>
+            <p:ph type="title"/>
+          </p:nvPr>
+        </p:nvSpPr>
+        <p:spPr/>
+        <p:txBody>
+          <a:bodyPr/>
+          <a:lstStyle/>
+          <a:p>
+            <a:r>
+              <a:rPr lang="en-US"/>
+              <a:t>Click to edit Master title style</a:t>
+            </a:r>
+            <a:endParaRPr lang="en-US" dirty="0"/>
+          </a:p>
+        </p:txBody>
+      </p:sp>
+      <p:sp>
+        <p:nvSpPr>
+          <p:cNvPr id="3" name="Content Placeholder 2"/>
+          <p:cNvSpPr>
+            <a:spLocks noGrp="1"/>
+          </p:cNvSpPr>
+          <p:nvPr>
+            <p:ph sz="half" idx="1"/>
+          </p:nvPr>
+        </p:nvSpPr>
+        <p:spPr>
+          <a:xfrm>
+            <a:off x="1470124" y="8059374"/>
+            <a:ext cx="9088041" cy="19209345"/>
+          </a:xfrm>
+        </p:spPr>
+        <p:txBody>
+          <a:bodyPr/>
+          <a:lstStyle/>
+          <a:p>
+            <a:pPr lvl="0"/>
+            <a:r>
+              <a:rPr lang="en-US"/>
+              <a:t>Click to edit Master text styles</a:t>
+            </a:r>
+          </a:p>
+          <a:p>
+            <a:pPr lvl="1"/>
+            <a:r>
+              <a:rPr lang="en-US"/>
+              <a:t>Second level</a:t>
+            </a:r>
+          </a:p>
+          <a:p>
+            <a:pPr lvl="2"/>
+            <a:r>
+              <a:rPr lang="en-US"/>
+              <a:t>Third level</a:t>
+            </a:r>
+          </a:p>
+          <a:p>
+            <a:pPr lvl="3"/>
+            <a:r>
+              <a:rPr lang="en-US"/>
+              <a:t>Fourth level</a:t>
+            </a:r>
+          </a:p>
+          <a:p>
+            <a:pPr lvl="4"/>
+            <a:r>
+              <a:rPr lang="en-US"/>
+              <a:t>Fifth level</a:t>
+            </a:r>
+            <a:endParaRPr lang="en-US" dirty="0"/>
+          </a:p>
+        </p:txBody>
+      </p:sp>
+      <p:sp>
+        <p:nvSpPr>
+          <p:cNvPr id="4" name="Content Placeholder 3"/>
+          <p:cNvSpPr>
+            <a:spLocks noGrp="1"/>
+          </p:cNvSpPr>
+          <p:nvPr>
+            <p:ph sz="half" idx="2"/>
+          </p:nvPr>
+        </p:nvSpPr>
+        <p:spPr>
+          <a:xfrm>
+            <a:off x="10825460" y="8059374"/>
+            <a:ext cx="9088041" cy="19209345"/>
+          </a:xfrm>
+        </p:spPr>
+        <p:txBody>
+          <a:bodyPr/>
+          <a:lstStyle/>
+          <a:p>
+            <a:pPr lvl="0"/>
+            <a:r>
+              <a:rPr lang="en-US"/>
+              <a:t>Click to edit Master text styles</a:t>
+            </a:r>
+          </a:p>
+          <a:p>
+            <a:pPr lvl="1"/>
+            <a:r>
+              <a:rPr lang="en-US"/>
+              <a:t>Second level</a:t>
+            </a:r>
+          </a:p>
+          <a:p>
+            <a:pPr lvl="2"/>
+            <a:r>
+              <a:rPr lang="en-US"/>
+              <a:t>Third level</a:t>
+            </a:r>
+          </a:p>
+          <a:p>
+            <a:pPr lvl="3"/>
+            <a:r>
+              <a:rPr lang="en-US"/>
+              <a:t>Fourth level</a:t>
+            </a:r>
+          </a:p>
+          <a:p>
+            <a:pPr lvl="4"/>
+            <a:r>
+              <a:rPr lang="en-US"/>
+              <a:t>Fifth level</a:t>
+            </a:r>
+            <a:endParaRPr lang="en-US" dirty="0"/>
+          </a:p>
+        </p:txBody>
+      </p:sp>
+      <p:sp>
+        <p:nvSpPr>
+          <p:cNvPr id="5" name="Date Placeholder 4"/>
+          <p:cNvSpPr>
+            <a:spLocks noGrp="1"/>
+          </p:cNvSpPr>
+          <p:nvPr>
+            <p:ph type="dt" sz="half" idx="10"/>
+          </p:nvPr>
+        </p:nvSpPr>
+        <p:spPr/>
+        <p:txBody>
+          <a:bodyPr/>
+          <a:lstStyle/>
+          <a:p>
+            <a:fld id="{AFD5325B-1A15-4464-AC58-4D5851FBB6B7}" type="datetimeFigureOut">
+              <a:rPr lang="en-CH" smtClean="0"/>
+              <a:t>11/19/2021</a:t>
+            </a:fld>
+            <a:endParaRPr lang="en-CH"/>
+          </a:p>
+        </p:txBody>
+      </p:sp>
+      <p:sp>
+        <p:nvSpPr>
+          <p:cNvPr id="6" name="Footer Placeholder 5"/>
+          <p:cNvSpPr>
+            <a:spLocks noGrp="1"/>
+          </p:cNvSpPr>
+          <p:nvPr>
+            <p:ph type="ftr" sz="quarter" idx="11"/>
+          </p:nvPr>
+        </p:nvSpPr>
+        <p:spPr/>
+        <p:txBody>
+          <a:bodyPr/>
+          <a:lstStyle/>
+          <a:p>
+            <a:endParaRPr lang="en-CH"/>
+          </a:p>
+        </p:txBody>
+      </p:sp>
+      <p:sp>
+        <p:nvSpPr>
+          <p:cNvPr id="7" name="Slide Number Placeholder 6"/>
+          <p:cNvSpPr>
+            <a:spLocks noGrp="1"/>
+          </p:cNvSpPr>
+          <p:nvPr>
+            <p:ph type="sldNum" sz="quarter" idx="12"/>
+          </p:nvPr>
+        </p:nvSpPr>
+        <p:spPr/>
+        <p:txBody>
+          <a:bodyPr/>
+          <a:lstStyle/>
+          <a:p>
+            <a:fld id="{D29F7A94-EF69-4C27-A7DD-1BE96FE8015C}" type="slidenum">
+              <a:rPr lang="en-CH" smtClean="0"/>
+              <a:t>‹#›</a:t>
+            </a:fld>
+            <a:endParaRPr lang="en-CH"/>
+          </a:p>
+        </p:txBody>
+      </p:sp>
+    </p:spTree>
+    <p:extLst>
+      <p:ext uri="{BB962C8B-B14F-4D97-AF65-F5344CB8AC3E}">
+        <p14:creationId xmlns:p14="http://schemas.microsoft.com/office/powerpoint/2010/main" val="4204297521"/>
+      </p:ext>
+    </p:extLst>
+  </p:cSld>
+  <p:clrMapOvr>
+    <a:masterClrMapping/>
+  </p:clrMapOvr>
+</p:sldLayout>
+</file>
+
+<file path=ppt/slideLayouts/slideLayout5.xml><?xml version="1.0" encoding="utf-8"?>
+<p:sldLayout xmlns:a="http://schemas.openxmlformats.org/drawingml/2006/main" xmlns:r="http://schemas.openxmlformats.org/officeDocument/2006/relationships" xmlns:p="http://schemas.openxmlformats.org/presentationml/2006/main" type="twoTxTwoObj" preserve="1">
+  <p:cSld name="Comparison">
+    <p:spTree>
+      <p:nvGrpSpPr>
+        <p:cNvPr id="1" name=""/>
+        <p:cNvGrpSpPr/>
+        <p:nvPr/>
+      </p:nvGrpSpPr>
+      <p:grpSpPr>
+        <a:xfrm>
+          <a:off x="0" y="0"/>
+          <a:ext cx="0" cy="0"/>
+          <a:chOff x="0" y="0"/>
+          <a:chExt cx="0" cy="0"/>
+        </a:xfrm>
+      </p:grpSpPr>
+      <p:sp>
+        <p:nvSpPr>
+          <p:cNvPr id="2" name="Title 1"/>
+          <p:cNvSpPr>
+            <a:spLocks noGrp="1"/>
+          </p:cNvSpPr>
+          <p:nvPr>
+            <p:ph type="title"/>
+          </p:nvPr>
+        </p:nvSpPr>
+        <p:spPr>
+          <a:xfrm>
+            <a:off x="1472909" y="1611882"/>
+            <a:ext cx="18443377" cy="5851808"/>
+          </a:xfrm>
+        </p:spPr>
+        <p:txBody>
+          <a:bodyPr/>
+          <a:lstStyle/>
+          <a:p>
+            <a:r>
+              <a:rPr lang="en-US"/>
+              <a:t>Click to edit Master title style</a:t>
+            </a:r>
+            <a:endParaRPr lang="en-US" dirty="0"/>
+          </a:p>
+        </p:txBody>
+      </p:sp>
+      <p:sp>
+        <p:nvSpPr>
+          <p:cNvPr id="3" name="Text Placeholder 2"/>
+          <p:cNvSpPr>
+            <a:spLocks noGrp="1"/>
+          </p:cNvSpPr>
+          <p:nvPr>
+            <p:ph type="body" idx="1"/>
+          </p:nvPr>
+        </p:nvSpPr>
+        <p:spPr>
+          <a:xfrm>
+            <a:off x="1472912" y="7421634"/>
+            <a:ext cx="9046274" cy="3637228"/>
+          </a:xfrm>
+        </p:spPr>
+        <p:txBody>
+          <a:bodyPr anchor="b"/>
+          <a:lstStyle>
+            <a:lvl1pPr marL="0" indent="0">
+              <a:buNone/>
+              <a:defRPr sz="5612" b="1"/>
+            </a:lvl1pPr>
+            <a:lvl2pPr marL="1069162" indent="0">
+              <a:buNone/>
+              <a:defRPr sz="4677" b="1"/>
+            </a:lvl2pPr>
+            <a:lvl3pPr marL="2138324" indent="0">
+              <a:buNone/>
+              <a:defRPr sz="4209" b="1"/>
+            </a:lvl3pPr>
+            <a:lvl4pPr marL="3207487" indent="0">
+              <a:buNone/>
+              <a:defRPr sz="3742" b="1"/>
+            </a:lvl4pPr>
+            <a:lvl5pPr marL="4276649" indent="0">
+              <a:buNone/>
+              <a:defRPr sz="3742" b="1"/>
+            </a:lvl5pPr>
+            <a:lvl6pPr marL="5345811" indent="0">
+              <a:buNone/>
+              <a:defRPr sz="3742" b="1"/>
+            </a:lvl6pPr>
+            <a:lvl7pPr marL="6414973" indent="0">
+              <a:buNone/>
+              <a:defRPr sz="3742" b="1"/>
+            </a:lvl7pPr>
+            <a:lvl8pPr marL="7484135" indent="0">
+              <a:buNone/>
+              <a:defRPr sz="3742" b="1"/>
+            </a:lvl8pPr>
+            <a:lvl9pPr marL="8553298" indent="0">
+              <a:buNone/>
+              <a:defRPr sz="3742" b="1"/>
+            </a:lvl9pPr>
+          </a:lstStyle>
+          <a:p>
+            <a:pPr lvl="0"/>
+            <a:r>
+              <a:rPr lang="en-US"/>
+              <a:t>Click to edit Master text styles</a:t>
+            </a:r>
+          </a:p>
+        </p:txBody>
+      </p:sp>
+      <p:sp>
+        <p:nvSpPr>
+          <p:cNvPr id="4" name="Content Placeholder 3"/>
+          <p:cNvSpPr>
+            <a:spLocks noGrp="1"/>
+          </p:cNvSpPr>
+          <p:nvPr>
+            <p:ph sz="half" idx="2"/>
+          </p:nvPr>
+        </p:nvSpPr>
+        <p:spPr>
+          <a:xfrm>
+            <a:off x="1472912" y="11058863"/>
+            <a:ext cx="9046274" cy="16265921"/>
+          </a:xfrm>
+        </p:spPr>
+        <p:txBody>
+          <a:bodyPr/>
+          <a:lstStyle/>
+          <a:p>
+            <a:pPr lvl="0"/>
+            <a:r>
+              <a:rPr lang="en-US"/>
+              <a:t>Click to edit Master text styles</a:t>
+            </a:r>
+          </a:p>
+          <a:p>
+            <a:pPr lvl="1"/>
+            <a:r>
+              <a:rPr lang="en-US"/>
+              <a:t>Second level</a:t>
+            </a:r>
+          </a:p>
+          <a:p>
+            <a:pPr lvl="2"/>
+            <a:r>
+              <a:rPr lang="en-US"/>
+              <a:t>Third level</a:t>
+            </a:r>
+          </a:p>
+          <a:p>
+            <a:pPr lvl="3"/>
+            <a:r>
+              <a:rPr lang="en-US"/>
+              <a:t>Fourth level</a:t>
+            </a:r>
+          </a:p>
+          <a:p>
+            <a:pPr lvl="4"/>
+            <a:r>
+              <a:rPr lang="en-US"/>
+              <a:t>Fifth level</a:t>
+            </a:r>
+            <a:endParaRPr lang="en-US" dirty="0"/>
+          </a:p>
+        </p:txBody>
+      </p:sp>
+      <p:sp>
+        <p:nvSpPr>
+          <p:cNvPr id="5" name="Text Placeholder 4"/>
+          <p:cNvSpPr>
+            <a:spLocks noGrp="1"/>
+          </p:cNvSpPr>
+          <p:nvPr>
+            <p:ph type="body" sz="quarter" idx="3"/>
+          </p:nvPr>
+        </p:nvSpPr>
+        <p:spPr>
+          <a:xfrm>
+            <a:off x="10825461" y="7421634"/>
+            <a:ext cx="9090826" cy="3637228"/>
+          </a:xfrm>
+        </p:spPr>
+        <p:txBody>
+          <a:bodyPr anchor="b"/>
+          <a:lstStyle>
+            <a:lvl1pPr marL="0" indent="0">
+              <a:buNone/>
+              <a:defRPr sz="5612" b="1"/>
+            </a:lvl1pPr>
+            <a:lvl2pPr marL="1069162" indent="0">
+              <a:buNone/>
+              <a:defRPr sz="4677" b="1"/>
+            </a:lvl2pPr>
+            <a:lvl3pPr marL="2138324" indent="0">
+              <a:buNone/>
+              <a:defRPr sz="4209" b="1"/>
+            </a:lvl3pPr>
+            <a:lvl4pPr marL="3207487" indent="0">
+              <a:buNone/>
+              <a:defRPr sz="3742" b="1"/>
+            </a:lvl4pPr>
+            <a:lvl5pPr marL="4276649" indent="0">
+              <a:buNone/>
+              <a:defRPr sz="3742" b="1"/>
+            </a:lvl5pPr>
+            <a:lvl6pPr marL="5345811" indent="0">
+              <a:buNone/>
+              <a:defRPr sz="3742" b="1"/>
+            </a:lvl6pPr>
+            <a:lvl7pPr marL="6414973" indent="0">
+              <a:buNone/>
+              <a:defRPr sz="3742" b="1"/>
+            </a:lvl7pPr>
+            <a:lvl8pPr marL="7484135" indent="0">
+              <a:buNone/>
+              <a:defRPr sz="3742" b="1"/>
+            </a:lvl8pPr>
+            <a:lvl9pPr marL="8553298" indent="0">
+              <a:buNone/>
+              <a:defRPr sz="3742" b="1"/>
+            </a:lvl9pPr>
+          </a:lstStyle>
+          <a:p>
+            <a:pPr lvl="0"/>
+            <a:r>
+              <a:rPr lang="en-US"/>
+              <a:t>Click to edit Master text styles</a:t>
+            </a:r>
+          </a:p>
+        </p:txBody>
+      </p:sp>
+      <p:sp>
+        <p:nvSpPr>
+          <p:cNvPr id="6" name="Content Placeholder 5"/>
+          <p:cNvSpPr>
+            <a:spLocks noGrp="1"/>
+          </p:cNvSpPr>
+          <p:nvPr>
+            <p:ph sz="quarter" idx="4"/>
+          </p:nvPr>
+        </p:nvSpPr>
+        <p:spPr>
+          <a:xfrm>
+            <a:off x="10825461" y="11058863"/>
+            <a:ext cx="9090826" cy="16265921"/>
+          </a:xfrm>
+        </p:spPr>
+        <p:txBody>
+          <a:bodyPr/>
+          <a:lstStyle/>
+          <a:p>
+            <a:pPr lvl="0"/>
+            <a:r>
+              <a:rPr lang="en-US"/>
+              <a:t>Click to edit Master text styles</a:t>
+            </a:r>
+          </a:p>
+          <a:p>
+            <a:pPr lvl="1"/>
+            <a:r>
+              <a:rPr lang="en-US"/>
+              <a:t>Second level</a:t>
+            </a:r>
+          </a:p>
+          <a:p>
+            <a:pPr lvl="2"/>
+            <a:r>
+              <a:rPr lang="en-US"/>
+              <a:t>Third level</a:t>
+            </a:r>
+          </a:p>
+          <a:p>
+            <a:pPr lvl="3"/>
+            <a:r>
+              <a:rPr lang="en-US"/>
+              <a:t>Fourth level</a:t>
+            </a:r>
+          </a:p>
+          <a:p>
+            <a:pPr lvl="4"/>
+            <a:r>
+              <a:rPr lang="en-US"/>
+              <a:t>Fifth level</a:t>
+            </a:r>
+            <a:endParaRPr lang="en-US" dirty="0"/>
+          </a:p>
+        </p:txBody>
+      </p:sp>
+      <p:sp>
+        <p:nvSpPr>
+          <p:cNvPr id="7" name="Date Placeholder 6"/>
+          <p:cNvSpPr>
+            <a:spLocks noGrp="1"/>
+          </p:cNvSpPr>
+          <p:nvPr>
+            <p:ph type="dt" sz="half" idx="10"/>
+          </p:nvPr>
+        </p:nvSpPr>
+        <p:spPr/>
+        <p:txBody>
+          <a:bodyPr/>
+          <a:lstStyle/>
+          <a:p>
+            <a:fld id="{AFD5325B-1A15-4464-AC58-4D5851FBB6B7}" type="datetimeFigureOut">
+              <a:rPr lang="en-CH" smtClean="0"/>
+              <a:t>11/19/2021</a:t>
+            </a:fld>
+            <a:endParaRPr lang="en-CH"/>
+          </a:p>
+        </p:txBody>
+      </p:sp>
+      <p:sp>
+        <p:nvSpPr>
+          <p:cNvPr id="8" name="Footer Placeholder 7"/>
+          <p:cNvSpPr>
+            <a:spLocks noGrp="1"/>
+          </p:cNvSpPr>
+          <p:nvPr>
+            <p:ph type="ftr" sz="quarter" idx="11"/>
+          </p:nvPr>
+        </p:nvSpPr>
+        <p:spPr/>
+        <p:txBody>
+          <a:bodyPr/>
+          <a:lstStyle/>
+          <a:p>
+            <a:endParaRPr lang="en-CH"/>
+          </a:p>
+        </p:txBody>
+      </p:sp>
+      <p:sp>
+        <p:nvSpPr>
+          <p:cNvPr id="9" name="Slide Number Placeholder 8"/>
+          <p:cNvSpPr>
+            <a:spLocks noGrp="1"/>
+          </p:cNvSpPr>
+          <p:nvPr>
+            <p:ph type="sldNum" sz="quarter" idx="12"/>
+          </p:nvPr>
+        </p:nvSpPr>
+        <p:spPr/>
+        <p:txBody>
+          <a:bodyPr/>
+          <a:lstStyle/>
+          <a:p>
+            <a:fld id="{D29F7A94-EF69-4C27-A7DD-1BE96FE8015C}" type="slidenum">
+              <a:rPr lang="en-CH" smtClean="0"/>
+              <a:t>‹#›</a:t>
+            </a:fld>
+            <a:endParaRPr lang="en-CH"/>
+          </a:p>
+        </p:txBody>
+      </p:sp>
+    </p:spTree>
+    <p:extLst>
+      <p:ext uri="{BB962C8B-B14F-4D97-AF65-F5344CB8AC3E}">
+        <p14:creationId xmlns:p14="http://schemas.microsoft.com/office/powerpoint/2010/main" val="709913624"/>
+      </p:ext>
+    </p:extLst>
+  </p:cSld>
+  <p:clrMapOvr>
+    <a:masterClrMapping/>
+  </p:clrMapOvr>
+</p:sldLayout>
+</file>
+
+<file path=ppt/slideLayouts/slideLayout6.xml><?xml version="1.0" encoding="utf-8"?>
+<p:sldLayout xmlns:a="http://schemas.openxmlformats.org/drawingml/2006/main" xmlns:r="http://schemas.openxmlformats.org/officeDocument/2006/relationships" xmlns:p="http://schemas.openxmlformats.org/presentationml/2006/main" type="titleOnly" preserve="1">
+  <p:cSld name="Title Only">
+    <p:spTree>
+      <p:nvGrpSpPr>
+        <p:cNvPr id="1" name=""/>
+        <p:cNvGrpSpPr/>
+        <p:nvPr/>
+      </p:nvGrpSpPr>
+      <p:grpSpPr>
+        <a:xfrm>
+          <a:off x="0" y="0"/>
+          <a:ext cx="0" cy="0"/>
+          <a:chOff x="0" y="0"/>
+          <a:chExt cx="0" cy="0"/>
+        </a:xfrm>
+      </p:grpSpPr>
+      <p:sp>
+        <p:nvSpPr>
+          <p:cNvPr id="2" name="Title 1"/>
+          <p:cNvSpPr>
+            <a:spLocks noGrp="1"/>
+          </p:cNvSpPr>
+          <p:nvPr>
+            <p:ph type="title"/>
+          </p:nvPr>
+        </p:nvSpPr>
+        <p:spPr/>
+        <p:txBody>
+          <a:bodyPr/>
+          <a:lstStyle/>
+          <a:p>
+            <a:r>
+              <a:rPr lang="en-US"/>
+              <a:t>Click to edit Master title style</a:t>
+            </a:r>
+            <a:endParaRPr lang="en-US" dirty="0"/>
+          </a:p>
+        </p:txBody>
+      </p:sp>
+      <p:sp>
+        <p:nvSpPr>
+          <p:cNvPr id="3" name="Date Placeholder 2"/>
+          <p:cNvSpPr>
+            <a:spLocks noGrp="1"/>
+          </p:cNvSpPr>
+          <p:nvPr>
+            <p:ph type="dt" sz="half" idx="10"/>
+          </p:nvPr>
+        </p:nvSpPr>
+        <p:spPr/>
+        <p:txBody>
+          <a:bodyPr/>
+          <a:lstStyle/>
+          <a:p>
+            <a:fld id="{AFD5325B-1A15-4464-AC58-4D5851FBB6B7}" type="datetimeFigureOut">
+              <a:rPr lang="en-CH" smtClean="0"/>
+              <a:t>11/19/2021</a:t>
+            </a:fld>
+            <a:endParaRPr lang="en-CH"/>
+          </a:p>
+        </p:txBody>
+      </p:sp>
+      <p:sp>
+        <p:nvSpPr>
+          <p:cNvPr id="4" name="Footer Placeholder 3"/>
+          <p:cNvSpPr>
+            <a:spLocks noGrp="1"/>
+          </p:cNvSpPr>
+          <p:nvPr>
+            <p:ph type="ftr" sz="quarter" idx="11"/>
+          </p:nvPr>
+        </p:nvSpPr>
+        <p:spPr/>
+        <p:txBody>
+          <a:bodyPr/>
+          <a:lstStyle/>
+          <a:p>
+            <a:endParaRPr lang="en-CH"/>
+          </a:p>
+        </p:txBody>
+      </p:sp>
+      <p:sp>
+        <p:nvSpPr>
+          <p:cNvPr id="5" name="Slide Number Placeholder 4"/>
+          <p:cNvSpPr>
+            <a:spLocks noGrp="1"/>
+          </p:cNvSpPr>
+          <p:nvPr>
+            <p:ph type="sldNum" sz="quarter" idx="12"/>
+          </p:nvPr>
+        </p:nvSpPr>
+        <p:spPr/>
+        <p:txBody>
+          <a:bodyPr/>
+          <a:lstStyle/>
+          <a:p>
+            <a:fld id="{D29F7A94-EF69-4C27-A7DD-1BE96FE8015C}" type="slidenum">
+              <a:rPr lang="en-CH" smtClean="0"/>
+              <a:t>‹#›</a:t>
+            </a:fld>
+            <a:endParaRPr lang="en-CH"/>
+          </a:p>
+        </p:txBody>
+      </p:sp>
+    </p:spTree>
+    <p:extLst>
+      <p:ext uri="{BB962C8B-B14F-4D97-AF65-F5344CB8AC3E}">
+        <p14:creationId xmlns:p14="http://schemas.microsoft.com/office/powerpoint/2010/main" val="914211044"/>
+      </p:ext>
+    </p:extLst>
+  </p:cSld>
+  <p:clrMapOvr>
+    <a:masterClrMapping/>
+  </p:clrMapOvr>
+</p:sldLayout>
+</file>
+
+<file path=ppt/slideLayouts/slideLayout7.xml><?xml version="1.0" encoding="utf-8"?>
+<p:sldLayout xmlns:a="http://schemas.openxmlformats.org/drawingml/2006/main" xmlns:r="http://schemas.openxmlformats.org/officeDocument/2006/relationships" xmlns:p="http://schemas.openxmlformats.org/presentationml/2006/main" type="blank" preserve="1">
+  <p:cSld name="Blank">
+    <p:spTree>
+      <p:nvGrpSpPr>
+        <p:cNvPr id="1" name=""/>
+        <p:cNvGrpSpPr/>
+        <p:nvPr/>
+      </p:nvGrpSpPr>
+      <p:grpSpPr>
+        <a:xfrm>
+          <a:off x="0" y="0"/>
+          <a:ext cx="0" cy="0"/>
+          <a:chOff x="0" y="0"/>
+          <a:chExt cx="0" cy="0"/>
+        </a:xfrm>
+      </p:grpSpPr>
+      <p:sp>
+        <p:nvSpPr>
+          <p:cNvPr id="2" name="Date Placeholder 1"/>
+          <p:cNvSpPr>
+            <a:spLocks noGrp="1"/>
+          </p:cNvSpPr>
+          <p:nvPr>
+            <p:ph type="dt" sz="half" idx="10"/>
+          </p:nvPr>
+        </p:nvSpPr>
+        <p:spPr/>
+        <p:txBody>
+          <a:bodyPr/>
+          <a:lstStyle/>
+          <a:p>
+            <a:fld id="{AFD5325B-1A15-4464-AC58-4D5851FBB6B7}" type="datetimeFigureOut">
+              <a:rPr lang="en-CH" smtClean="0"/>
+              <a:t>11/19/2021</a:t>
+            </a:fld>
+            <a:endParaRPr lang="en-CH"/>
+          </a:p>
+        </p:txBody>
+      </p:sp>
+      <p:sp>
+        <p:nvSpPr>
+          <p:cNvPr id="3" name="Footer Placeholder 2"/>
+          <p:cNvSpPr>
+            <a:spLocks noGrp="1"/>
+          </p:cNvSpPr>
+          <p:nvPr>
+            <p:ph type="ftr" sz="quarter" idx="11"/>
+          </p:nvPr>
+        </p:nvSpPr>
+        <p:spPr/>
+        <p:txBody>
+          <a:bodyPr/>
+          <a:lstStyle/>
+          <a:p>
+            <a:endParaRPr lang="en-CH"/>
+          </a:p>
+        </p:txBody>
+      </p:sp>
+      <p:sp>
+        <p:nvSpPr>
+          <p:cNvPr id="4" name="Slide Number Placeholder 3"/>
+          <p:cNvSpPr>
+            <a:spLocks noGrp="1"/>
+          </p:cNvSpPr>
+          <p:nvPr>
+            <p:ph type="sldNum" sz="quarter" idx="12"/>
+          </p:nvPr>
+        </p:nvSpPr>
+        <p:spPr/>
+        <p:txBody>
+          <a:bodyPr/>
+          <a:lstStyle/>
+          <a:p>
+            <a:fld id="{D29F7A94-EF69-4C27-A7DD-1BE96FE8015C}" type="slidenum">
+              <a:rPr lang="en-CH" smtClean="0"/>
+              <a:t>‹#›</a:t>
+            </a:fld>
+            <a:endParaRPr lang="en-CH"/>
+          </a:p>
+        </p:txBody>
+      </p:sp>
+    </p:spTree>
+    <p:extLst>
+      <p:ext uri="{BB962C8B-B14F-4D97-AF65-F5344CB8AC3E}">
+        <p14:creationId xmlns:p14="http://schemas.microsoft.com/office/powerpoint/2010/main" val="2066625985"/>
+      </p:ext>
+    </p:extLst>
+  </p:cSld>
+  <p:clrMapOvr>
+    <a:masterClrMapping/>
+  </p:clrMapOvr>
+</p:sldLayout>
+</file>
+
+<file path=ppt/slideLayouts/slideLayout8.xml><?xml version="1.0" encoding="utf-8"?>
+<p:sldLayout xmlns:a="http://schemas.openxmlformats.org/drawingml/2006/main" xmlns:r="http://schemas.openxmlformats.org/officeDocument/2006/relationships" xmlns:p="http://schemas.openxmlformats.org/presentationml/2006/main" type="objTx" preserve="1">
+  <p:cSld name="Content with Caption">
+    <p:spTree>
+      <p:nvGrpSpPr>
+        <p:cNvPr id="1" name=""/>
+        <p:cNvGrpSpPr/>
+        <p:nvPr/>
+      </p:nvGrpSpPr>
+      <p:grpSpPr>
+        <a:xfrm>
+          <a:off x="0" y="0"/>
+          <a:ext cx="0" cy="0"/>
+          <a:chOff x="0" y="0"/>
+          <a:chExt cx="0" cy="0"/>
+        </a:xfrm>
+      </p:grpSpPr>
+      <p:sp>
+        <p:nvSpPr>
+          <p:cNvPr id="2" name="Title 1"/>
+          <p:cNvSpPr>
+            <a:spLocks noGrp="1"/>
+          </p:cNvSpPr>
+          <p:nvPr>
+            <p:ph type="title"/>
+          </p:nvPr>
+        </p:nvSpPr>
+        <p:spPr>
+          <a:xfrm>
+            <a:off x="1472909" y="2018348"/>
+            <a:ext cx="6896776" cy="7064216"/>
+          </a:xfrm>
+        </p:spPr>
+        <p:txBody>
+          <a:bodyPr anchor="b"/>
+          <a:lstStyle>
+            <a:lvl1pPr>
+              <a:defRPr sz="7483"/>
+            </a:lvl1pPr>
+          </a:lstStyle>
+          <a:p>
+            <a:r>
+              <a:rPr lang="en-US"/>
+              <a:t>Click to edit Master title style</a:t>
+            </a:r>
+            <a:endParaRPr lang="en-US" dirty="0"/>
+          </a:p>
+        </p:txBody>
+      </p:sp>
+      <p:sp>
+        <p:nvSpPr>
+          <p:cNvPr id="3" name="Content Placeholder 2"/>
+          <p:cNvSpPr>
+            <a:spLocks noGrp="1"/>
+          </p:cNvSpPr>
+          <p:nvPr>
+            <p:ph idx="1"/>
+          </p:nvPr>
+        </p:nvSpPr>
+        <p:spPr>
+          <a:xfrm>
+            <a:off x="9090826" y="4359077"/>
+            <a:ext cx="10825460" cy="21515024"/>
+          </a:xfrm>
+        </p:spPr>
+        <p:txBody>
+          <a:bodyPr/>
+          <a:lstStyle>
+            <a:lvl1pPr>
+              <a:defRPr sz="7483"/>
+            </a:lvl1pPr>
+            <a:lvl2pPr>
+              <a:defRPr sz="6548"/>
+            </a:lvl2pPr>
+            <a:lvl3pPr>
+              <a:defRPr sz="5612"/>
+            </a:lvl3pPr>
+            <a:lvl4pPr>
+              <a:defRPr sz="4677"/>
+            </a:lvl4pPr>
+            <a:lvl5pPr>
+              <a:defRPr sz="4677"/>
+            </a:lvl5pPr>
+            <a:lvl6pPr>
+              <a:defRPr sz="4677"/>
+            </a:lvl6pPr>
+            <a:lvl7pPr>
+              <a:defRPr sz="4677"/>
+            </a:lvl7pPr>
+            <a:lvl8pPr>
+              <a:defRPr sz="4677"/>
+            </a:lvl8pPr>
+            <a:lvl9pPr>
+              <a:defRPr sz="4677"/>
+            </a:lvl9pPr>
+          </a:lstStyle>
+          <a:p>
+            <a:pPr lvl="0"/>
+            <a:r>
+              <a:rPr lang="en-US"/>
+              <a:t>Click to edit Master text styles</a:t>
+            </a:r>
+          </a:p>
+          <a:p>
+            <a:pPr lvl="1"/>
+            <a:r>
+              <a:rPr lang="en-US"/>
+              <a:t>Second level</a:t>
+            </a:r>
+          </a:p>
+          <a:p>
+            <a:pPr lvl="2"/>
+            <a:r>
+              <a:rPr lang="en-US"/>
+              <a:t>Third level</a:t>
+            </a:r>
+          </a:p>
+          <a:p>
+            <a:pPr lvl="3"/>
+            <a:r>
+              <a:rPr lang="en-US"/>
+              <a:t>Fourth level</a:t>
+            </a:r>
+          </a:p>
+          <a:p>
+            <a:pPr lvl="4"/>
+            <a:r>
+              <a:rPr lang="en-US"/>
+              <a:t>Fifth level</a:t>
+            </a:r>
+            <a:endParaRPr lang="en-US" dirty="0"/>
+          </a:p>
+        </p:txBody>
+      </p:sp>
+      <p:sp>
+        <p:nvSpPr>
+          <p:cNvPr id="4" name="Text Placeholder 3"/>
+          <p:cNvSpPr>
+            <a:spLocks noGrp="1"/>
+          </p:cNvSpPr>
+          <p:nvPr>
+            <p:ph type="body" sz="half" idx="2"/>
+          </p:nvPr>
+        </p:nvSpPr>
+        <p:spPr>
+          <a:xfrm>
+            <a:off x="1472909" y="9082564"/>
+            <a:ext cx="6896776" cy="16826573"/>
+          </a:xfrm>
+        </p:spPr>
+        <p:txBody>
+          <a:bodyPr/>
+          <a:lstStyle>
+            <a:lvl1pPr marL="0" indent="0">
+              <a:buNone/>
+              <a:defRPr sz="3742"/>
+            </a:lvl1pPr>
+            <a:lvl2pPr marL="1069162" indent="0">
+              <a:buNone/>
+              <a:defRPr sz="3274"/>
+            </a:lvl2pPr>
+            <a:lvl3pPr marL="2138324" indent="0">
+              <a:buNone/>
+              <a:defRPr sz="2806"/>
+            </a:lvl3pPr>
+            <a:lvl4pPr marL="3207487" indent="0">
+              <a:buNone/>
+              <a:defRPr sz="2339"/>
+            </a:lvl4pPr>
+            <a:lvl5pPr marL="4276649" indent="0">
+              <a:buNone/>
+              <a:defRPr sz="2339"/>
+            </a:lvl5pPr>
+            <a:lvl6pPr marL="5345811" indent="0">
+              <a:buNone/>
+              <a:defRPr sz="2339"/>
+            </a:lvl6pPr>
+            <a:lvl7pPr marL="6414973" indent="0">
+              <a:buNone/>
+              <a:defRPr sz="2339"/>
+            </a:lvl7pPr>
+            <a:lvl8pPr marL="7484135" indent="0">
+              <a:buNone/>
+              <a:defRPr sz="2339"/>
+            </a:lvl8pPr>
+            <a:lvl9pPr marL="8553298" indent="0">
+              <a:buNone/>
+              <a:defRPr sz="2339"/>
+            </a:lvl9pPr>
+          </a:lstStyle>
+          <a:p>
+            <a:pPr lvl="0"/>
+            <a:r>
+              <a:rPr lang="en-US"/>
+              <a:t>Click to edit Master text styles</a:t>
+            </a:r>
+          </a:p>
+        </p:txBody>
+      </p:sp>
+      <p:sp>
+        <p:nvSpPr>
+          <p:cNvPr id="5" name="Date Placeholder 4"/>
+          <p:cNvSpPr>
+            <a:spLocks noGrp="1"/>
+          </p:cNvSpPr>
+          <p:nvPr>
+            <p:ph type="dt" sz="half" idx="10"/>
+          </p:nvPr>
+        </p:nvSpPr>
+        <p:spPr/>
+        <p:txBody>
+          <a:bodyPr/>
+          <a:lstStyle/>
+          <a:p>
+            <a:fld id="{AFD5325B-1A15-4464-AC58-4D5851FBB6B7}" type="datetimeFigureOut">
+              <a:rPr lang="en-CH" smtClean="0"/>
+              <a:t>11/19/2021</a:t>
+            </a:fld>
+            <a:endParaRPr lang="en-CH"/>
+          </a:p>
+        </p:txBody>
+      </p:sp>
+      <p:sp>
+        <p:nvSpPr>
+          <p:cNvPr id="6" name="Footer Placeholder 5"/>
+          <p:cNvSpPr>
+            <a:spLocks noGrp="1"/>
+          </p:cNvSpPr>
+          <p:nvPr>
+            <p:ph type="ftr" sz="quarter" idx="11"/>
+          </p:nvPr>
+        </p:nvSpPr>
+        <p:spPr/>
+        <p:txBody>
+          <a:bodyPr/>
+          <a:lstStyle/>
+          <a:p>
+            <a:endParaRPr lang="en-CH"/>
+          </a:p>
+        </p:txBody>
+      </p:sp>
+      <p:sp>
+        <p:nvSpPr>
+          <p:cNvPr id="7" name="Slide Number Placeholder 6"/>
+          <p:cNvSpPr>
+            <a:spLocks noGrp="1"/>
+          </p:cNvSpPr>
+          <p:nvPr>
+            <p:ph type="sldNum" sz="quarter" idx="12"/>
+          </p:nvPr>
+        </p:nvSpPr>
+        <p:spPr/>
+        <p:txBody>
+          <a:bodyPr/>
+          <a:lstStyle/>
+          <a:p>
+            <a:fld id="{D29F7A94-EF69-4C27-A7DD-1BE96FE8015C}" type="slidenum">
+              <a:rPr lang="en-CH" smtClean="0"/>
+              <a:t>‹#›</a:t>
+            </a:fld>
+            <a:endParaRPr lang="en-CH"/>
+          </a:p>
+        </p:txBody>
+      </p:sp>
+    </p:spTree>
+    <p:extLst>
+      <p:ext uri="{BB962C8B-B14F-4D97-AF65-F5344CB8AC3E}">
+        <p14:creationId xmlns:p14="http://schemas.microsoft.com/office/powerpoint/2010/main" val="4231398913"/>
+      </p:ext>
+    </p:extLst>
+  </p:cSld>
+  <p:clrMapOvr>
+    <a:masterClrMapping/>
+  </p:clrMapOvr>
+</p:sldLayout>
+</file>
+
+<file path=ppt/slideLayouts/slideLayout9.xml><?xml version="1.0" encoding="utf-8"?>
+<p:sldLayout xmlns:a="http://schemas.openxmlformats.org/drawingml/2006/main" xmlns:r="http://schemas.openxmlformats.org/officeDocument/2006/relationships" xmlns:p="http://schemas.openxmlformats.org/presentationml/2006/main" type="picTx" preserve="1">
+  <p:cSld name="Picture with Caption">
+    <p:spTree>
+      <p:nvGrpSpPr>
+        <p:cNvPr id="1" name=""/>
+        <p:cNvGrpSpPr/>
+        <p:nvPr/>
+      </p:nvGrpSpPr>
+      <p:grpSpPr>
+        <a:xfrm>
+          <a:off x="0" y="0"/>
+          <a:ext cx="0" cy="0"/>
+          <a:chOff x="0" y="0"/>
+          <a:chExt cx="0" cy="0"/>
+        </a:xfrm>
+      </p:grpSpPr>
+      <p:sp>
+        <p:nvSpPr>
+          <p:cNvPr id="2" name="Title 1"/>
+          <p:cNvSpPr>
+            <a:spLocks noGrp="1"/>
+          </p:cNvSpPr>
+          <p:nvPr>
+            <p:ph type="title"/>
+          </p:nvPr>
+        </p:nvSpPr>
+        <p:spPr>
+          <a:xfrm>
+            <a:off x="1472909" y="2018348"/>
+            <a:ext cx="6896776" cy="7064216"/>
+          </a:xfrm>
+        </p:spPr>
+        <p:txBody>
+          <a:bodyPr anchor="b"/>
+          <a:lstStyle>
+            <a:lvl1pPr>
+              <a:defRPr sz="7483"/>
+            </a:lvl1pPr>
+          </a:lstStyle>
+          <a:p>
+            <a:r>
+              <a:rPr lang="en-US"/>
+              <a:t>Click to edit Master title style</a:t>
+            </a:r>
+            <a:endParaRPr lang="en-US" dirty="0"/>
+          </a:p>
+        </p:txBody>
+      </p:sp>
+      <p:sp>
+        <p:nvSpPr>
+          <p:cNvPr id="3" name="Picture Placeholder 2"/>
+          <p:cNvSpPr>
+            <a:spLocks noGrp="1" noChangeAspect="1"/>
+          </p:cNvSpPr>
+          <p:nvPr>
+            <p:ph type="pic" idx="1"/>
+          </p:nvPr>
+        </p:nvSpPr>
+        <p:spPr>
+          <a:xfrm>
+            <a:off x="9090826" y="4359077"/>
+            <a:ext cx="10825460" cy="21515024"/>
+          </a:xfrm>
+        </p:spPr>
+        <p:txBody>
+          <a:bodyPr anchor="t"/>
+          <a:lstStyle>
+            <a:lvl1pPr marL="0" indent="0">
+              <a:buNone/>
+              <a:defRPr sz="7483"/>
+            </a:lvl1pPr>
+            <a:lvl2pPr marL="1069162" indent="0">
+              <a:buNone/>
+              <a:defRPr sz="6548"/>
+            </a:lvl2pPr>
+            <a:lvl3pPr marL="2138324" indent="0">
+              <a:buNone/>
+              <a:defRPr sz="5612"/>
+            </a:lvl3pPr>
+            <a:lvl4pPr marL="3207487" indent="0">
+              <a:buNone/>
+              <a:defRPr sz="4677"/>
+            </a:lvl4pPr>
+            <a:lvl5pPr marL="4276649" indent="0">
+              <a:buNone/>
+              <a:defRPr sz="4677"/>
+            </a:lvl5pPr>
+            <a:lvl6pPr marL="5345811" indent="0">
+              <a:buNone/>
+              <a:defRPr sz="4677"/>
+            </a:lvl6pPr>
+            <a:lvl7pPr marL="6414973" indent="0">
+              <a:buNone/>
+              <a:defRPr sz="4677"/>
+            </a:lvl7pPr>
+            <a:lvl8pPr marL="7484135" indent="0">
+              <a:buNone/>
+              <a:defRPr sz="4677"/>
+            </a:lvl8pPr>
+            <a:lvl9pPr marL="8553298" indent="0">
+              <a:buNone/>
+              <a:defRPr sz="4677"/>
+            </a:lvl9pPr>
+          </a:lstStyle>
+          <a:p>
+            <a:r>
+              <a:rPr lang="en-US"/>
+              <a:t>Click icon to add picture</a:t>
+            </a:r>
+            <a:endParaRPr lang="en-US" dirty="0"/>
+          </a:p>
+        </p:txBody>
+      </p:sp>
+      <p:sp>
+        <p:nvSpPr>
+          <p:cNvPr id="4" name="Text Placeholder 3"/>
+          <p:cNvSpPr>
+            <a:spLocks noGrp="1"/>
+          </p:cNvSpPr>
+          <p:nvPr>
+            <p:ph type="body" sz="half" idx="2"/>
+          </p:nvPr>
+        </p:nvSpPr>
+        <p:spPr>
+          <a:xfrm>
+            <a:off x="1472909" y="9082564"/>
+            <a:ext cx="6896776" cy="16826573"/>
+          </a:xfrm>
+        </p:spPr>
+        <p:txBody>
+          <a:bodyPr/>
+          <a:lstStyle>
+            <a:lvl1pPr marL="0" indent="0">
+              <a:buNone/>
+              <a:defRPr sz="3742"/>
+            </a:lvl1pPr>
+            <a:lvl2pPr marL="1069162" indent="0">
+              <a:buNone/>
+              <a:defRPr sz="3274"/>
+            </a:lvl2pPr>
+            <a:lvl3pPr marL="2138324" indent="0">
+              <a:buNone/>
+              <a:defRPr sz="2806"/>
+            </a:lvl3pPr>
+            <a:lvl4pPr marL="3207487" indent="0">
+              <a:buNone/>
+              <a:defRPr sz="2339"/>
+            </a:lvl4pPr>
+            <a:lvl5pPr marL="4276649" indent="0">
+              <a:buNone/>
+              <a:defRPr sz="2339"/>
+            </a:lvl5pPr>
+            <a:lvl6pPr marL="5345811" indent="0">
+              <a:buNone/>
+              <a:defRPr sz="2339"/>
+            </a:lvl6pPr>
+            <a:lvl7pPr marL="6414973" indent="0">
+              <a:buNone/>
+              <a:defRPr sz="2339"/>
+            </a:lvl7pPr>
+            <a:lvl8pPr marL="7484135" indent="0">
+              <a:buNone/>
+              <a:defRPr sz="2339"/>
+            </a:lvl8pPr>
+            <a:lvl9pPr marL="8553298" indent="0">
+              <a:buNone/>
+              <a:defRPr sz="2339"/>
+            </a:lvl9pPr>
+          </a:lstStyle>
+          <a:p>
+            <a:pPr lvl="0"/>
+            <a:r>
+              <a:rPr lang="en-US"/>
+              <a:t>Click to edit Master text styles</a:t>
+            </a:r>
+          </a:p>
+        </p:txBody>
+      </p:sp>
+      <p:sp>
+        <p:nvSpPr>
+          <p:cNvPr id="5" name="Date Placeholder 4"/>
+          <p:cNvSpPr>
+            <a:spLocks noGrp="1"/>
+          </p:cNvSpPr>
+          <p:nvPr>
+            <p:ph type="dt" sz="half" idx="10"/>
+          </p:nvPr>
+        </p:nvSpPr>
+        <p:spPr/>
+        <p:txBody>
+          <a:bodyPr/>
+          <a:lstStyle/>
+          <a:p>
+            <a:fld id="{AFD5325B-1A15-4464-AC58-4D5851FBB6B7}" type="datetimeFigureOut">
+              <a:rPr lang="en-CH" smtClean="0"/>
+              <a:t>11/19/2021</a:t>
+            </a:fld>
+            <a:endParaRPr lang="en-CH"/>
+          </a:p>
+        </p:txBody>
+      </p:sp>
+      <p:sp>
+        <p:nvSpPr>
+          <p:cNvPr id="6" name="Footer Placeholder 5"/>
+          <p:cNvSpPr>
+            <a:spLocks noGrp="1"/>
+          </p:cNvSpPr>
+          <p:nvPr>
+            <p:ph type="ftr" sz="quarter" idx="11"/>
+          </p:nvPr>
+        </p:nvSpPr>
+        <p:spPr/>
+        <p:txBody>
+          <a:bodyPr/>
+          <a:lstStyle/>
+          <a:p>
+            <a:endParaRPr lang="en-CH"/>
+          </a:p>
+        </p:txBody>
+      </p:sp>
+      <p:sp>
+        <p:nvSpPr>
+          <p:cNvPr id="7" name="Slide Number Placeholder 6"/>
+          <p:cNvSpPr>
+            <a:spLocks noGrp="1"/>
+          </p:cNvSpPr>
+          <p:nvPr>
+            <p:ph type="sldNum" sz="quarter" idx="12"/>
+          </p:nvPr>
+        </p:nvSpPr>
+        <p:spPr/>
+        <p:txBody>
+          <a:bodyPr/>
+          <a:lstStyle/>
+          <a:p>
+            <a:fld id="{D29F7A94-EF69-4C27-A7DD-1BE96FE8015C}" type="slidenum">
+              <a:rPr lang="en-CH" smtClean="0"/>
+              <a:t>‹#›</a:t>
+            </a:fld>
+            <a:endParaRPr lang="en-CH"/>
+          </a:p>
+        </p:txBody>
+      </p:sp>
+    </p:spTree>
+    <p:extLst>
+      <p:ext uri="{BB962C8B-B14F-4D97-AF65-F5344CB8AC3E}">
+        <p14:creationId xmlns:p14="http://schemas.microsoft.com/office/powerpoint/2010/main" val="3125849870"/>
       </p:ext>
     </p:extLst>
   </p:cSld>
@@ -252,8 +2554,8 @@
         </p:nvSpPr>
         <p:spPr>
           <a:xfrm>
-            <a:off x="1237546" y="1341671"/>
-            <a:ext cx="15525572" cy="4870830"/>
+            <a:off x="1470124" y="1611882"/>
+            <a:ext cx="18443377" cy="5851808"/>
           </a:xfrm>
           <a:prstGeom prst="rect">
             <a:avLst/>
@@ -285,8 +2587,8 @@
         </p:nvSpPr>
         <p:spPr>
           <a:xfrm>
-            <a:off x="1237546" y="6708326"/>
-            <a:ext cx="15525572" cy="15989153"/>
+            <a:off x="1470124" y="8059374"/>
+            <a:ext cx="18443377" cy="19209345"/>
           </a:xfrm>
           <a:prstGeom prst="rect">
             <a:avLst/>
@@ -347,8 +2649,8 @@
         </p:nvSpPr>
         <p:spPr>
           <a:xfrm>
-            <a:off x="1237546" y="23356649"/>
-            <a:ext cx="4050149" cy="1341665"/>
+            <a:off x="1470124" y="28060644"/>
+            <a:ext cx="4811316" cy="1611875"/>
           </a:xfrm>
           <a:prstGeom prst="rect">
             <a:avLst/>
@@ -358,7 +2660,7 @@
           <a:bodyPr vert="horz" lIns="91440" tIns="45720" rIns="91440" bIns="45720" rtlCol="0" anchor="ctr"/>
           <a:lstStyle>
             <a:lvl1pPr algn="l">
-              <a:defRPr sz="2362">
+              <a:defRPr sz="2806">
                 <a:solidFill>
                   <a:schemeClr val="tx1">
                     <a:tint val="75000"/>
@@ -370,7 +2672,7 @@
           <a:p>
             <a:fld id="{AFD5325B-1A15-4464-AC58-4D5851FBB6B7}" type="datetimeFigureOut">
               <a:rPr lang="en-CH" smtClean="0"/>
-              <a:t>18/11/2021</a:t>
+              <a:t>11/19/2021</a:t>
             </a:fld>
             <a:endParaRPr lang="en-CH"/>
           </a:p>
@@ -388,8 +2690,8 @@
         </p:nvSpPr>
         <p:spPr>
           <a:xfrm>
-            <a:off x="5962720" y="23356649"/>
-            <a:ext cx="6075224" cy="1341665"/>
+            <a:off x="7083326" y="28060644"/>
+            <a:ext cx="7216973" cy="1611875"/>
           </a:xfrm>
           <a:prstGeom prst="rect">
             <a:avLst/>
@@ -399,7 +2701,7 @@
           <a:bodyPr vert="horz" lIns="91440" tIns="45720" rIns="91440" bIns="45720" rtlCol="0" anchor="ctr"/>
           <a:lstStyle>
             <a:lvl1pPr algn="ctr">
-              <a:defRPr sz="2362">
+              <a:defRPr sz="2806">
                 <a:solidFill>
                   <a:schemeClr val="tx1">
                     <a:tint val="75000"/>
@@ -425,8 +2727,8 @@
         </p:nvSpPr>
         <p:spPr>
           <a:xfrm>
-            <a:off x="12712968" y="23356649"/>
-            <a:ext cx="4050149" cy="1341665"/>
+            <a:off x="15102185" y="28060644"/>
+            <a:ext cx="4811316" cy="1611875"/>
           </a:xfrm>
           <a:prstGeom prst="rect">
             <a:avLst/>
@@ -436,7 +2738,7 @@
           <a:bodyPr vert="horz" lIns="91440" tIns="45720" rIns="91440" bIns="45720" rtlCol="0" anchor="ctr"/>
           <a:lstStyle>
             <a:lvl1pPr algn="r">
-              <a:defRPr sz="2362">
+              <a:defRPr sz="2806">
                 <a:solidFill>
                   <a:schemeClr val="tx1">
                     <a:tint val="75000"/>
@@ -457,17 +2759,28 @@
     </p:spTree>
     <p:extLst>
       <p:ext uri="{BB962C8B-B14F-4D97-AF65-F5344CB8AC3E}">
-        <p14:creationId xmlns:p14="http://schemas.microsoft.com/office/powerpoint/2010/main" val="1597287875"/>
+        <p14:creationId xmlns:p14="http://schemas.microsoft.com/office/powerpoint/2010/main" val="1590361352"/>
       </p:ext>
     </p:extLst>
   </p:cSld>
   <p:clrMap bg1="lt1" tx1="dk1" bg2="lt2" tx2="dk2" accent1="accent1" accent2="accent2" accent3="accent3" accent4="accent4" accent5="accent5" accent6="accent6" hlink="hlink" folHlink="folHlink"/>
   <p:sldLayoutIdLst>
-    <p:sldLayoutId id="2147483685" r:id="rId1"/>
+    <p:sldLayoutId id="2147483687" r:id="rId1"/>
+    <p:sldLayoutId id="2147483688" r:id="rId2"/>
+    <p:sldLayoutId id="2147483689" r:id="rId3"/>
+    <p:sldLayoutId id="2147483690" r:id="rId4"/>
+    <p:sldLayoutId id="2147483691" r:id="rId5"/>
+    <p:sldLayoutId id="2147483692" r:id="rId6"/>
+    <p:sldLayoutId id="2147483693" r:id="rId7"/>
+    <p:sldLayoutId id="2147483694" r:id="rId8"/>
+    <p:sldLayoutId id="2147483695" r:id="rId9"/>
+    <p:sldLayoutId id="2147483696" r:id="rId10"/>
+    <p:sldLayoutId id="2147483697" r:id="rId11"/>
+    <p:sldLayoutId id="2147483698" r:id="rId12"/>
   </p:sldLayoutIdLst>
   <p:txStyles>
     <p:titleStyle>
-      <a:lvl1pPr algn="l" defTabSz="1800088" rtl="0" eaLnBrk="1" latinLnBrk="0" hangingPunct="1">
+      <a:lvl1pPr algn="l" defTabSz="2138324" rtl="0" eaLnBrk="1" latinLnBrk="0" hangingPunct="1">
         <a:lnSpc>
           <a:spcPct val="90000"/>
         </a:lnSpc>
@@ -475,7 +2788,7 @@
           <a:spcPct val="0"/>
         </a:spcBef>
         <a:buNone/>
-        <a:defRPr sz="8662" kern="1200">
+        <a:defRPr sz="10289" kern="1200">
           <a:solidFill>
             <a:schemeClr val="tx1"/>
           </a:solidFill>
@@ -486,16 +2799,16 @@
       </a:lvl1pPr>
     </p:titleStyle>
     <p:bodyStyle>
-      <a:lvl1pPr marL="450022" indent="-450022" algn="l" defTabSz="1800088" rtl="0" eaLnBrk="1" latinLnBrk="0" hangingPunct="1">
+      <a:lvl1pPr marL="534581" indent="-534581" algn="l" defTabSz="2138324" rtl="0" eaLnBrk="1" latinLnBrk="0" hangingPunct="1">
         <a:lnSpc>
           <a:spcPct val="90000"/>
         </a:lnSpc>
         <a:spcBef>
-          <a:spcPts val="1969"/>
+          <a:spcPts val="2339"/>
         </a:spcBef>
         <a:buFont typeface="Arial" panose="020B0604020202020204" pitchFamily="34" charset="0"/>
         <a:buChar char="•"/>
-        <a:defRPr sz="5512" kern="1200">
+        <a:defRPr sz="6548" kern="1200">
           <a:solidFill>
             <a:schemeClr val="tx1"/>
           </a:solidFill>
@@ -504,16 +2817,16 @@
           <a:cs typeface="+mn-cs"/>
         </a:defRPr>
       </a:lvl1pPr>
-      <a:lvl2pPr marL="1350066" indent="-450022" algn="l" defTabSz="1800088" rtl="0" eaLnBrk="1" latinLnBrk="0" hangingPunct="1">
+      <a:lvl2pPr marL="1603743" indent="-534581" algn="l" defTabSz="2138324" rtl="0" eaLnBrk="1" latinLnBrk="0" hangingPunct="1">
         <a:lnSpc>
           <a:spcPct val="90000"/>
         </a:lnSpc>
         <a:spcBef>
-          <a:spcPts val="984"/>
+          <a:spcPts val="1169"/>
         </a:spcBef>
         <a:buFont typeface="Arial" panose="020B0604020202020204" pitchFamily="34" charset="0"/>
         <a:buChar char="•"/>
-        <a:defRPr sz="4725" kern="1200">
+        <a:defRPr sz="5612" kern="1200">
           <a:solidFill>
             <a:schemeClr val="tx1"/>
           </a:solidFill>
@@ -522,16 +2835,16 @@
           <a:cs typeface="+mn-cs"/>
         </a:defRPr>
       </a:lvl2pPr>
-      <a:lvl3pPr marL="2250110" indent="-450022" algn="l" defTabSz="1800088" rtl="0" eaLnBrk="1" latinLnBrk="0" hangingPunct="1">
+      <a:lvl3pPr marL="2672906" indent="-534581" algn="l" defTabSz="2138324" rtl="0" eaLnBrk="1" latinLnBrk="0" hangingPunct="1">
         <a:lnSpc>
           <a:spcPct val="90000"/>
         </a:lnSpc>
         <a:spcBef>
-          <a:spcPts val="984"/>
+          <a:spcPts val="1169"/>
         </a:spcBef>
         <a:buFont typeface="Arial" panose="020B0604020202020204" pitchFamily="34" charset="0"/>
         <a:buChar char="•"/>
-        <a:defRPr sz="3937" kern="1200">
+        <a:defRPr sz="4677" kern="1200">
           <a:solidFill>
             <a:schemeClr val="tx1"/>
           </a:solidFill>
@@ -540,16 +2853,16 @@
           <a:cs typeface="+mn-cs"/>
         </a:defRPr>
       </a:lvl3pPr>
-      <a:lvl4pPr marL="3150154" indent="-450022" algn="l" defTabSz="1800088" rtl="0" eaLnBrk="1" latinLnBrk="0" hangingPunct="1">
+      <a:lvl4pPr marL="3742068" indent="-534581" algn="l" defTabSz="2138324" rtl="0" eaLnBrk="1" latinLnBrk="0" hangingPunct="1">
         <a:lnSpc>
           <a:spcPct val="90000"/>
         </a:lnSpc>
         <a:spcBef>
-          <a:spcPts val="984"/>
+          <a:spcPts val="1169"/>
         </a:spcBef>
         <a:buFont typeface="Arial" panose="020B0604020202020204" pitchFamily="34" charset="0"/>
         <a:buChar char="•"/>
-        <a:defRPr sz="3543" kern="1200">
+        <a:defRPr sz="4209" kern="1200">
           <a:solidFill>
             <a:schemeClr val="tx1"/>
           </a:solidFill>
@@ -558,16 +2871,16 @@
           <a:cs typeface="+mn-cs"/>
         </a:defRPr>
       </a:lvl4pPr>
-      <a:lvl5pPr marL="4050198" indent="-450022" algn="l" defTabSz="1800088" rtl="0" eaLnBrk="1" latinLnBrk="0" hangingPunct="1">
+      <a:lvl5pPr marL="4811230" indent="-534581" algn="l" defTabSz="2138324" rtl="0" eaLnBrk="1" latinLnBrk="0" hangingPunct="1">
         <a:lnSpc>
           <a:spcPct val="90000"/>
         </a:lnSpc>
         <a:spcBef>
-          <a:spcPts val="984"/>
+          <a:spcPts val="1169"/>
         </a:spcBef>
         <a:buFont typeface="Arial" panose="020B0604020202020204" pitchFamily="34" charset="0"/>
         <a:buChar char="•"/>
-        <a:defRPr sz="3543" kern="1200">
+        <a:defRPr sz="4209" kern="1200">
           <a:solidFill>
             <a:schemeClr val="tx1"/>
           </a:solidFill>
@@ -576,16 +2889,16 @@
           <a:cs typeface="+mn-cs"/>
         </a:defRPr>
       </a:lvl5pPr>
-      <a:lvl6pPr marL="4950242" indent="-450022" algn="l" defTabSz="1800088" rtl="0" eaLnBrk="1" latinLnBrk="0" hangingPunct="1">
+      <a:lvl6pPr marL="5880392" indent="-534581" algn="l" defTabSz="2138324" rtl="0" eaLnBrk="1" latinLnBrk="0" hangingPunct="1">
         <a:lnSpc>
           <a:spcPct val="90000"/>
         </a:lnSpc>
         <a:spcBef>
-          <a:spcPts val="984"/>
+          <a:spcPts val="1169"/>
         </a:spcBef>
         <a:buFont typeface="Arial" panose="020B0604020202020204" pitchFamily="34" charset="0"/>
         <a:buChar char="•"/>
-        <a:defRPr sz="3543" kern="1200">
+        <a:defRPr sz="4209" kern="1200">
           <a:solidFill>
             <a:schemeClr val="tx1"/>
           </a:solidFill>
@@ -594,16 +2907,16 @@
           <a:cs typeface="+mn-cs"/>
         </a:defRPr>
       </a:lvl6pPr>
-      <a:lvl7pPr marL="5850285" indent="-450022" algn="l" defTabSz="1800088" rtl="0" eaLnBrk="1" latinLnBrk="0" hangingPunct="1">
+      <a:lvl7pPr marL="6949554" indent="-534581" algn="l" defTabSz="2138324" rtl="0" eaLnBrk="1" latinLnBrk="0" hangingPunct="1">
         <a:lnSpc>
           <a:spcPct val="90000"/>
         </a:lnSpc>
         <a:spcBef>
-          <a:spcPts val="984"/>
+          <a:spcPts val="1169"/>
         </a:spcBef>
         <a:buFont typeface="Arial" panose="020B0604020202020204" pitchFamily="34" charset="0"/>
         <a:buChar char="•"/>
-        <a:defRPr sz="3543" kern="1200">
+        <a:defRPr sz="4209" kern="1200">
           <a:solidFill>
             <a:schemeClr val="tx1"/>
           </a:solidFill>
@@ -612,16 +2925,16 @@
           <a:cs typeface="+mn-cs"/>
         </a:defRPr>
       </a:lvl7pPr>
-      <a:lvl8pPr marL="6750329" indent="-450022" algn="l" defTabSz="1800088" rtl="0" eaLnBrk="1" latinLnBrk="0" hangingPunct="1">
+      <a:lvl8pPr marL="8018717" indent="-534581" algn="l" defTabSz="2138324" rtl="0" eaLnBrk="1" latinLnBrk="0" hangingPunct="1">
         <a:lnSpc>
           <a:spcPct val="90000"/>
         </a:lnSpc>
         <a:spcBef>
-          <a:spcPts val="984"/>
+          <a:spcPts val="1169"/>
         </a:spcBef>
         <a:buFont typeface="Arial" panose="020B0604020202020204" pitchFamily="34" charset="0"/>
         <a:buChar char="•"/>
-        <a:defRPr sz="3543" kern="1200">
+        <a:defRPr sz="4209" kern="1200">
           <a:solidFill>
             <a:schemeClr val="tx1"/>
           </a:solidFill>
@@ -630,16 +2943,16 @@
           <a:cs typeface="+mn-cs"/>
         </a:defRPr>
       </a:lvl8pPr>
-      <a:lvl9pPr marL="7650373" indent="-450022" algn="l" defTabSz="1800088" rtl="0" eaLnBrk="1" latinLnBrk="0" hangingPunct="1">
+      <a:lvl9pPr marL="9087879" indent="-534581" algn="l" defTabSz="2138324" rtl="0" eaLnBrk="1" latinLnBrk="0" hangingPunct="1">
         <a:lnSpc>
           <a:spcPct val="90000"/>
         </a:lnSpc>
         <a:spcBef>
-          <a:spcPts val="984"/>
+          <a:spcPts val="1169"/>
         </a:spcBef>
         <a:buFont typeface="Arial" panose="020B0604020202020204" pitchFamily="34" charset="0"/>
         <a:buChar char="•"/>
-        <a:defRPr sz="3543" kern="1200">
+        <a:defRPr sz="4209" kern="1200">
           <a:solidFill>
             <a:schemeClr val="tx1"/>
           </a:solidFill>
@@ -653,8 +2966,8 @@
       <a:defPPr>
         <a:defRPr lang="en-US"/>
       </a:defPPr>
-      <a:lvl1pPr marL="0" algn="l" defTabSz="1800088" rtl="0" eaLnBrk="1" latinLnBrk="0" hangingPunct="1">
-        <a:defRPr sz="3543" kern="1200">
+      <a:lvl1pPr marL="0" algn="l" defTabSz="2138324" rtl="0" eaLnBrk="1" latinLnBrk="0" hangingPunct="1">
+        <a:defRPr sz="4209" kern="1200">
           <a:solidFill>
             <a:schemeClr val="tx1"/>
           </a:solidFill>
@@ -663,8 +2976,8 @@
           <a:cs typeface="+mn-cs"/>
         </a:defRPr>
       </a:lvl1pPr>
-      <a:lvl2pPr marL="900044" algn="l" defTabSz="1800088" rtl="0" eaLnBrk="1" latinLnBrk="0" hangingPunct="1">
-        <a:defRPr sz="3543" kern="1200">
+      <a:lvl2pPr marL="1069162" algn="l" defTabSz="2138324" rtl="0" eaLnBrk="1" latinLnBrk="0" hangingPunct="1">
+        <a:defRPr sz="4209" kern="1200">
           <a:solidFill>
             <a:schemeClr val="tx1"/>
           </a:solidFill>
@@ -673,8 +2986,8 @@
           <a:cs typeface="+mn-cs"/>
         </a:defRPr>
       </a:lvl2pPr>
-      <a:lvl3pPr marL="1800088" algn="l" defTabSz="1800088" rtl="0" eaLnBrk="1" latinLnBrk="0" hangingPunct="1">
-        <a:defRPr sz="3543" kern="1200">
+      <a:lvl3pPr marL="2138324" algn="l" defTabSz="2138324" rtl="0" eaLnBrk="1" latinLnBrk="0" hangingPunct="1">
+        <a:defRPr sz="4209" kern="1200">
           <a:solidFill>
             <a:schemeClr val="tx1"/>
           </a:solidFill>
@@ -683,8 +2996,8 @@
           <a:cs typeface="+mn-cs"/>
         </a:defRPr>
       </a:lvl3pPr>
-      <a:lvl4pPr marL="2700132" algn="l" defTabSz="1800088" rtl="0" eaLnBrk="1" latinLnBrk="0" hangingPunct="1">
-        <a:defRPr sz="3543" kern="1200">
+      <a:lvl4pPr marL="3207487" algn="l" defTabSz="2138324" rtl="0" eaLnBrk="1" latinLnBrk="0" hangingPunct="1">
+        <a:defRPr sz="4209" kern="1200">
           <a:solidFill>
             <a:schemeClr val="tx1"/>
           </a:solidFill>
@@ -693,8 +3006,8 @@
           <a:cs typeface="+mn-cs"/>
         </a:defRPr>
       </a:lvl4pPr>
-      <a:lvl5pPr marL="3600176" algn="l" defTabSz="1800088" rtl="0" eaLnBrk="1" latinLnBrk="0" hangingPunct="1">
-        <a:defRPr sz="3543" kern="1200">
+      <a:lvl5pPr marL="4276649" algn="l" defTabSz="2138324" rtl="0" eaLnBrk="1" latinLnBrk="0" hangingPunct="1">
+        <a:defRPr sz="4209" kern="1200">
           <a:solidFill>
             <a:schemeClr val="tx1"/>
           </a:solidFill>
@@ -703,8 +3016,8 @@
           <a:cs typeface="+mn-cs"/>
         </a:defRPr>
       </a:lvl5pPr>
-      <a:lvl6pPr marL="4500220" algn="l" defTabSz="1800088" rtl="0" eaLnBrk="1" latinLnBrk="0" hangingPunct="1">
-        <a:defRPr sz="3543" kern="1200">
+      <a:lvl6pPr marL="5345811" algn="l" defTabSz="2138324" rtl="0" eaLnBrk="1" latinLnBrk="0" hangingPunct="1">
+        <a:defRPr sz="4209" kern="1200">
           <a:solidFill>
             <a:schemeClr val="tx1"/>
           </a:solidFill>
@@ -713,8 +3026,8 @@
           <a:cs typeface="+mn-cs"/>
         </a:defRPr>
       </a:lvl6pPr>
-      <a:lvl7pPr marL="5400264" algn="l" defTabSz="1800088" rtl="0" eaLnBrk="1" latinLnBrk="0" hangingPunct="1">
-        <a:defRPr sz="3543" kern="1200">
+      <a:lvl7pPr marL="6414973" algn="l" defTabSz="2138324" rtl="0" eaLnBrk="1" latinLnBrk="0" hangingPunct="1">
+        <a:defRPr sz="4209" kern="1200">
           <a:solidFill>
             <a:schemeClr val="tx1"/>
           </a:solidFill>
@@ -723,8 +3036,8 @@
           <a:cs typeface="+mn-cs"/>
         </a:defRPr>
       </a:lvl7pPr>
-      <a:lvl8pPr marL="6300307" algn="l" defTabSz="1800088" rtl="0" eaLnBrk="1" latinLnBrk="0" hangingPunct="1">
-        <a:defRPr sz="3543" kern="1200">
+      <a:lvl8pPr marL="7484135" algn="l" defTabSz="2138324" rtl="0" eaLnBrk="1" latinLnBrk="0" hangingPunct="1">
+        <a:defRPr sz="4209" kern="1200">
           <a:solidFill>
             <a:schemeClr val="tx1"/>
           </a:solidFill>
@@ -733,8 +3046,8 @@
           <a:cs typeface="+mn-cs"/>
         </a:defRPr>
       </a:lvl8pPr>
-      <a:lvl9pPr marL="7200351" algn="l" defTabSz="1800088" rtl="0" eaLnBrk="1" latinLnBrk="0" hangingPunct="1">
-        <a:defRPr sz="3543" kern="1200">
+      <a:lvl9pPr marL="8553298" algn="l" defTabSz="2138324" rtl="0" eaLnBrk="1" latinLnBrk="0" hangingPunct="1">
+        <a:defRPr sz="4209" kern="1200">
           <a:solidFill>
             <a:schemeClr val="tx1"/>
           </a:solidFill>
@@ -779,8 +3092,8 @@
         </p:nvSpPr>
         <p:spPr>
           <a:xfrm>
-            <a:off x="342900" y="139700"/>
-            <a:ext cx="17284700" cy="1320800"/>
+            <a:off x="407343" y="335589"/>
+            <a:ext cx="20533108" cy="1569025"/>
           </a:xfrm>
           <a:prstGeom prst="rect">
             <a:avLst/>
@@ -807,17 +3120,17 @@
           <a:p>
             <a:pPr algn="ctr"/>
             <a:r>
-              <a:rPr lang="en-US" sz="4000" b="1" dirty="0"/>
+              <a:rPr lang="en-US" sz="4752" b="1" dirty="0"/>
               <a:t>Comparing Decision Tree and K-Nearest Neighbor for Cerebral Stroke Prediction</a:t>
             </a:r>
             <a:br>
-              <a:rPr lang="en-US" sz="3600" b="1" dirty="0"/>
+              <a:rPr lang="en-US" sz="4276" b="1" dirty="0"/>
             </a:br>
             <a:r>
-              <a:rPr lang="en-US" sz="2400" dirty="0"/>
+              <a:rPr lang="en-US" sz="2851" dirty="0"/>
               <a:t>by Stefan Diener</a:t>
             </a:r>
-            <a:endParaRPr lang="en-CH" sz="3600" dirty="0"/>
+            <a:endParaRPr lang="en-CH" sz="4276" dirty="0"/>
           </a:p>
         </p:txBody>
       </p:sp>
@@ -837,8 +3150,8 @@
             </p:nvSpPr>
             <p:spPr>
               <a:xfrm>
-                <a:off x="342899" y="1460500"/>
-                <a:ext cx="17284699" cy="1625600"/>
+                <a:off x="407342" y="1904614"/>
+                <a:ext cx="20533107" cy="2019686"/>
               </a:xfrm>
               <a:prstGeom prst="rect">
                 <a:avLst/>
@@ -864,13 +3177,13 @@
               <a:lstStyle/>
               <a:p>
                 <a:r>
-                  <a:rPr lang="en-US" sz="2400" b="1" dirty="0"/>
+                  <a:rPr lang="en-US" sz="2851" b="1" dirty="0"/>
                   <a:t>1) Description and Motivation of the Problem</a:t>
                 </a:r>
               </a:p>
               <a:p>
                 <a:r>
-                  <a:rPr lang="en-US" dirty="0"/>
+                  <a:rPr lang="en-US" sz="2400" dirty="0"/>
                   <a:t>In 2020, England recorded cerebrovascular diseases are the third leading cause of death</a:t>
                 </a:r>
                 <a14:m>
@@ -878,14 +3191,14 @@
                     <m:sSup>
                       <m:sSupPr>
                         <m:ctrlPr>
-                          <a:rPr lang="en-US" i="1" smtClean="0">
+                          <a:rPr lang="en-US" sz="2400" i="1">
                             <a:latin typeface="Cambria Math" panose="02040503050406030204" pitchFamily="18" charset="0"/>
                           </a:rPr>
                         </m:ctrlPr>
                       </m:sSupPr>
                       <m:e>
                         <m:r>
-                          <a:rPr lang="en-US" b="0" i="1" smtClean="0">
+                          <a:rPr lang="en-US" sz="2400" i="1">
                             <a:latin typeface="Cambria Math" panose="02040503050406030204" pitchFamily="18" charset="0"/>
                           </a:rPr>
                           <m:t> </m:t>
@@ -893,7 +3206,7 @@
                       </m:e>
                       <m:sup>
                         <m:r>
-                          <a:rPr lang="en-US">
+                          <a:rPr lang="en-US" sz="2400">
                             <a:latin typeface="Cambria Math" panose="02040503050406030204" pitchFamily="18" charset="0"/>
                           </a:rPr>
                           <m:t>1</m:t>
@@ -903,10 +3216,10 @@
                   </m:oMath>
                 </a14:m>
                 <a:r>
-                  <a:rPr lang="en-US" dirty="0"/>
+                  <a:rPr lang="en-US" sz="2400" dirty="0"/>
                   <a:t>. A cerebral stroke is a subtype of these diseases in which the blood supply to part of the brain is interrupted, depriving brain tissue of oxygen and nutrients and causing the death of brain cells within minutes. Therefore, predicting whether a person will have a cerebral stroke can be of great importance to public health, as it can help ensure adequate preparation and quick action in an emergency. The goal of this project is to train and compare the ability of a Decision Tree and a K-Nearest Neighbor classifier to predict whether a person will suffer a heart stroke.</a:t>
                 </a:r>
-                <a:endParaRPr lang="en-CH" dirty="0"/>
+                <a:endParaRPr lang="en-CH" sz="2400" dirty="0"/>
               </a:p>
             </p:txBody>
           </p:sp>
@@ -928,8 +3241,8 @@
             </p:nvSpPr>
             <p:spPr>
               <a:xfrm>
-                <a:off x="342899" y="1460500"/>
-                <a:ext cx="17284699" cy="1625600"/>
+                <a:off x="407342" y="1904614"/>
+                <a:ext cx="20533107" cy="2019686"/>
               </a:xfrm>
               <a:prstGeom prst="rect">
                 <a:avLst/>
@@ -937,7 +3250,7 @@
               <a:blipFill>
                 <a:blip r:embed="rId2"/>
                 <a:stretch>
-                  <a:fillRect l="-422" t="-1838" r="-106" b="-735"/>
+                  <a:fillRect l="-533" t="-1775" r="-593" b="-4142"/>
                 </a:stretch>
               </a:blipFill>
               <a:ln w="38100"/>
@@ -947,7 +3260,7 @@
               <a:lstStyle/>
               <a:p>
                 <a:r>
-                  <a:rPr lang="en-CH">
+                  <a:rPr lang="en-GB">
                     <a:noFill/>
                   </a:rPr>
                   <a:t> </a:t>
@@ -971,8 +3284,8 @@
         </p:nvSpPr>
         <p:spPr>
           <a:xfrm>
-            <a:off x="342899" y="3086100"/>
-            <a:ext cx="17284699" cy="1803400"/>
+            <a:off x="407342" y="3924300"/>
+            <a:ext cx="20533107" cy="5715000"/>
           </a:xfrm>
           <a:prstGeom prst="rect">
             <a:avLst/>
@@ -998,18 +3311,18 @@
           <a:lstStyle/>
           <a:p>
             <a:r>
-              <a:rPr lang="en-US" sz="2400" b="1" dirty="0"/>
+              <a:rPr lang="en-US" sz="2851" b="1" dirty="0"/>
               <a:t>2) Initial analysis of the data set including basic statistics</a:t>
             </a:r>
           </a:p>
           <a:p>
-            <a:endParaRPr lang="en-US" sz="2400" b="1" dirty="0"/>
-          </a:p>
-          <a:p>
-            <a:endParaRPr lang="en-US" sz="2400" b="1" dirty="0"/>
-          </a:p>
-          <a:p>
-            <a:endParaRPr lang="en-US" sz="2400" b="1" dirty="0"/>
+            <a:endParaRPr lang="en-US" sz="2851" b="1" dirty="0"/>
+          </a:p>
+          <a:p>
+            <a:endParaRPr lang="en-US" sz="2851" b="1" dirty="0"/>
+          </a:p>
+          <a:p>
+            <a:endParaRPr lang="en-US" sz="2851" b="1" dirty="0"/>
           </a:p>
         </p:txBody>
       </p:sp>

--- a/ML_Poster.pptx
+++ b/ML_Poster.pptx
@@ -254,7 +254,7 @@
           <a:p>
             <a:fld id="{AFD5325B-1A15-4464-AC58-4D5851FBB6B7}" type="datetimeFigureOut">
               <a:rPr lang="en-CH" smtClean="0"/>
-              <a:t>11/19/2021</a:t>
+              <a:t>11/20/2021</a:t>
             </a:fld>
             <a:endParaRPr lang="en-CH"/>
           </a:p>
@@ -424,7 +424,7 @@
           <a:p>
             <a:fld id="{AFD5325B-1A15-4464-AC58-4D5851FBB6B7}" type="datetimeFigureOut">
               <a:rPr lang="en-CH" smtClean="0"/>
-              <a:t>11/19/2021</a:t>
+              <a:t>11/20/2021</a:t>
             </a:fld>
             <a:endParaRPr lang="en-CH"/>
           </a:p>
@@ -604,7 +604,7 @@
           <a:p>
             <a:fld id="{AFD5325B-1A15-4464-AC58-4D5851FBB6B7}" type="datetimeFigureOut">
               <a:rPr lang="en-CH" smtClean="0"/>
-              <a:t>11/19/2021</a:t>
+              <a:t>11/20/2021</a:t>
             </a:fld>
             <a:endParaRPr lang="en-CH"/>
           </a:p>
@@ -699,7 +699,7 @@
           <a:p>
             <a:fld id="{AFD5325B-1A15-4464-AC58-4D5851FBB6B7}" type="datetimeFigureOut">
               <a:rPr lang="en-CH" smtClean="0"/>
-              <a:t>11/19/2021</a:t>
+              <a:t>11/20/2021</a:t>
             </a:fld>
             <a:endParaRPr lang="en-CH"/>
           </a:p>
@@ -869,7 +869,7 @@
           <a:p>
             <a:fld id="{AFD5325B-1A15-4464-AC58-4D5851FBB6B7}" type="datetimeFigureOut">
               <a:rPr lang="en-CH" smtClean="0"/>
-              <a:t>11/19/2021</a:t>
+              <a:t>11/20/2021</a:t>
             </a:fld>
             <a:endParaRPr lang="en-CH"/>
           </a:p>
@@ -1113,7 +1113,7 @@
           <a:p>
             <a:fld id="{AFD5325B-1A15-4464-AC58-4D5851FBB6B7}" type="datetimeFigureOut">
               <a:rPr lang="en-CH" smtClean="0"/>
-              <a:t>11/19/2021</a:t>
+              <a:t>11/20/2021</a:t>
             </a:fld>
             <a:endParaRPr lang="en-CH"/>
           </a:p>
@@ -1345,7 +1345,7 @@
           <a:p>
             <a:fld id="{AFD5325B-1A15-4464-AC58-4D5851FBB6B7}" type="datetimeFigureOut">
               <a:rPr lang="en-CH" smtClean="0"/>
-              <a:t>11/19/2021</a:t>
+              <a:t>11/20/2021</a:t>
             </a:fld>
             <a:endParaRPr lang="en-CH"/>
           </a:p>
@@ -1712,7 +1712,7 @@
           <a:p>
             <a:fld id="{AFD5325B-1A15-4464-AC58-4D5851FBB6B7}" type="datetimeFigureOut">
               <a:rPr lang="en-CH" smtClean="0"/>
-              <a:t>11/19/2021</a:t>
+              <a:t>11/20/2021</a:t>
             </a:fld>
             <a:endParaRPr lang="en-CH"/>
           </a:p>
@@ -1830,7 +1830,7 @@
           <a:p>
             <a:fld id="{AFD5325B-1A15-4464-AC58-4D5851FBB6B7}" type="datetimeFigureOut">
               <a:rPr lang="en-CH" smtClean="0"/>
-              <a:t>11/19/2021</a:t>
+              <a:t>11/20/2021</a:t>
             </a:fld>
             <a:endParaRPr lang="en-CH"/>
           </a:p>
@@ -1925,7 +1925,7 @@
           <a:p>
             <a:fld id="{AFD5325B-1A15-4464-AC58-4D5851FBB6B7}" type="datetimeFigureOut">
               <a:rPr lang="en-CH" smtClean="0"/>
-              <a:t>11/19/2021</a:t>
+              <a:t>11/20/2021</a:t>
             </a:fld>
             <a:endParaRPr lang="en-CH"/>
           </a:p>
@@ -2202,7 +2202,7 @@
           <a:p>
             <a:fld id="{AFD5325B-1A15-4464-AC58-4D5851FBB6B7}" type="datetimeFigureOut">
               <a:rPr lang="en-CH" smtClean="0"/>
-              <a:t>11/19/2021</a:t>
+              <a:t>11/20/2021</a:t>
             </a:fld>
             <a:endParaRPr lang="en-CH"/>
           </a:p>
@@ -2459,7 +2459,7 @@
           <a:p>
             <a:fld id="{AFD5325B-1A15-4464-AC58-4D5851FBB6B7}" type="datetimeFigureOut">
               <a:rPr lang="en-CH" smtClean="0"/>
-              <a:t>11/19/2021</a:t>
+              <a:t>11/20/2021</a:t>
             </a:fld>
             <a:endParaRPr lang="en-CH"/>
           </a:p>
@@ -2672,7 +2672,7 @@
           <a:p>
             <a:fld id="{AFD5325B-1A15-4464-AC58-4D5851FBB6B7}" type="datetimeFigureOut">
               <a:rPr lang="en-CH" smtClean="0"/>
-              <a:t>11/19/2021</a:t>
+              <a:t>11/20/2021</a:t>
             </a:fld>
             <a:endParaRPr lang="en-CH"/>
           </a:p>
@@ -3080,10 +3080,10 @@
       </p:grpSpPr>
       <p:sp>
         <p:nvSpPr>
-          <p:cNvPr id="7" name="Rectangle 6">
+          <p:cNvPr id="4" name="Rectangle 3">
             <a:extLst>
               <a:ext uri="{FF2B5EF4-FFF2-40B4-BE49-F238E27FC236}">
-                <a16:creationId xmlns:a16="http://schemas.microsoft.com/office/drawing/2014/main" id="{7DFDE14A-EF36-483A-A932-514011F9AA0C}"/>
+                <a16:creationId xmlns:a16="http://schemas.microsoft.com/office/drawing/2014/main" id="{294E475F-DE3E-4412-9F35-20A563F1BBCF}"/>
               </a:ext>
             </a:extLst>
           </p:cNvPr>
@@ -3092,8 +3092,8 @@
         </p:nvSpPr>
         <p:spPr>
           <a:xfrm>
-            <a:off x="407343" y="335589"/>
-            <a:ext cx="20533108" cy="1569025"/>
+            <a:off x="171450" y="2342868"/>
+            <a:ext cx="21004894" cy="5368572"/>
           </a:xfrm>
           <a:prstGeom prst="rect">
             <a:avLst/>
@@ -3115,167 +3115,164 @@
           </a:fontRef>
         </p:style>
         <p:txBody>
-          <a:bodyPr rtlCol="0" anchor="ctr"/>
-          <a:lstStyle/>
-          <a:p>
-            <a:pPr algn="ctr"/>
-            <a:r>
-              <a:rPr lang="en-US" sz="4752" b="1" dirty="0"/>
-              <a:t>Comparing Decision Tree and K-Nearest Neighbor for Cerebral Stroke Prediction</a:t>
-            </a:r>
-            <a:br>
-              <a:rPr lang="en-US" sz="4276" b="1" dirty="0"/>
-            </a:br>
-            <a:r>
-              <a:rPr lang="en-US" sz="2851" dirty="0"/>
-              <a:t>by Stefan Diener</a:t>
-            </a:r>
-            <a:endParaRPr lang="en-CH" sz="4276" dirty="0"/>
-          </a:p>
-        </p:txBody>
-      </p:sp>
-      <mc:AlternateContent xmlns:mc="http://schemas.openxmlformats.org/markup-compatibility/2006">
-        <mc:Choice xmlns:a14="http://schemas.microsoft.com/office/drawing/2010/main" Requires="a14">
-          <p:sp>
-            <p:nvSpPr>
-              <p:cNvPr id="8" name="Rectangle 7">
-                <a:extLst>
-                  <a:ext uri="{FF2B5EF4-FFF2-40B4-BE49-F238E27FC236}">
-                    <a16:creationId xmlns:a16="http://schemas.microsoft.com/office/drawing/2014/main" id="{93E259DF-0A40-4B37-B115-0319E48BC63A}"/>
-                  </a:ext>
-                </a:extLst>
-              </p:cNvPr>
-              <p:cNvSpPr/>
-              <p:nvPr/>
-            </p:nvSpPr>
-            <p:spPr>
-              <a:xfrm>
-                <a:off x="407342" y="1904614"/>
-                <a:ext cx="20533107" cy="2019686"/>
-              </a:xfrm>
-              <a:prstGeom prst="rect">
-                <a:avLst/>
-              </a:prstGeom>
-              <a:ln w="38100"/>
-            </p:spPr>
-            <p:style>
-              <a:lnRef idx="2">
-                <a:schemeClr val="dk1"/>
-              </a:lnRef>
-              <a:fillRef idx="1">
-                <a:schemeClr val="lt1"/>
-              </a:fillRef>
-              <a:effectRef idx="0">
-                <a:schemeClr val="dk1"/>
-              </a:effectRef>
-              <a:fontRef idx="minor">
-                <a:schemeClr val="dk1"/>
-              </a:fontRef>
-            </p:style>
-            <p:txBody>
-              <a:bodyPr rtlCol="0" anchor="t"/>
-              <a:lstStyle/>
-              <a:p>
-                <a:r>
-                  <a:rPr lang="en-US" sz="2851" b="1" dirty="0"/>
-                  <a:t>1) Description and Motivation of the Problem</a:t>
-                </a:r>
-              </a:p>
-              <a:p>
-                <a:r>
-                  <a:rPr lang="en-US" sz="2400" dirty="0"/>
-                  <a:t>In 2020, England recorded cerebrovascular diseases are the third leading cause of death</a:t>
-                </a:r>
-                <a14:m>
-                  <m:oMath xmlns:m="http://schemas.openxmlformats.org/officeDocument/2006/math">
-                    <m:sSup>
-                      <m:sSupPr>
-                        <m:ctrlPr>
-                          <a:rPr lang="en-US" sz="2400" i="1">
-                            <a:latin typeface="Cambria Math" panose="02040503050406030204" pitchFamily="18" charset="0"/>
-                          </a:rPr>
-                        </m:ctrlPr>
-                      </m:sSupPr>
-                      <m:e>
-                        <m:r>
-                          <a:rPr lang="en-US" sz="2400" i="1">
-                            <a:latin typeface="Cambria Math" panose="02040503050406030204" pitchFamily="18" charset="0"/>
-                          </a:rPr>
-                          <m:t> </m:t>
-                        </m:r>
-                      </m:e>
-                      <m:sup>
-                        <m:r>
-                          <a:rPr lang="en-US" sz="2400">
-                            <a:latin typeface="Cambria Math" panose="02040503050406030204" pitchFamily="18" charset="0"/>
-                          </a:rPr>
-                          <m:t>1</m:t>
-                        </m:r>
-                      </m:sup>
-                    </m:sSup>
-                  </m:oMath>
-                </a14:m>
-                <a:r>
-                  <a:rPr lang="en-US" sz="2400" dirty="0"/>
-                  <a:t>. A cerebral stroke is a subtype of these diseases in which the blood supply to part of the brain is interrupted, depriving brain tissue of oxygen and nutrients and causing the death of brain cells within minutes. Therefore, predicting whether a person will have a cerebral stroke can be of great importance to public health, as it can help ensure adequate preparation and quick action in an emergency. The goal of this project is to train and compare the ability of a Decision Tree and a K-Nearest Neighbor classifier to predict whether a person will suffer a heart stroke.</a:t>
-                </a:r>
-                <a:endParaRPr lang="en-CH" sz="2400" dirty="0"/>
-              </a:p>
-            </p:txBody>
-          </p:sp>
-        </mc:Choice>
-        <mc:Fallback>
-          <p:sp>
-            <p:nvSpPr>
-              <p:cNvPr id="8" name="Rectangle 7">
-                <a:extLst>
-                  <a:ext uri="{FF2B5EF4-FFF2-40B4-BE49-F238E27FC236}">
-                    <a16:creationId xmlns:a16="http://schemas.microsoft.com/office/drawing/2014/main" id="{93E259DF-0A40-4B37-B115-0319E48BC63A}"/>
-                  </a:ext>
-                </a:extLst>
-              </p:cNvPr>
-              <p:cNvSpPr>
-                <a:spLocks noRot="1" noChangeAspect="1" noMove="1" noResize="1" noEditPoints="1" noAdjustHandles="1" noChangeArrowheads="1" noChangeShapeType="1" noTextEdit="1"/>
-              </p:cNvSpPr>
-              <p:nvPr/>
-            </p:nvSpPr>
-            <p:spPr>
-              <a:xfrm>
-                <a:off x="407342" y="1904614"/>
-                <a:ext cx="20533107" cy="2019686"/>
-              </a:xfrm>
-              <a:prstGeom prst="rect">
-                <a:avLst/>
-              </a:prstGeom>
-              <a:blipFill>
-                <a:blip r:embed="rId2"/>
-                <a:stretch>
-                  <a:fillRect l="-533" t="-1775" r="-593" b="-4142"/>
-                </a:stretch>
-              </a:blipFill>
-              <a:ln w="38100"/>
-            </p:spPr>
-            <p:txBody>
-              <a:bodyPr/>
-              <a:lstStyle/>
-              <a:p>
-                <a:r>
-                  <a:rPr lang="en-GB">
-                    <a:noFill/>
-                  </a:rPr>
-                  <a:t> </a:t>
-                </a:r>
-              </a:p>
-            </p:txBody>
-          </p:sp>
-        </mc:Fallback>
-      </mc:AlternateContent>
-      <p:sp>
-        <p:nvSpPr>
-          <p:cNvPr id="4" name="Rectangle 3">
+          <a:bodyPr rtlCol="0" anchor="t"/>
+          <a:lstStyle/>
+          <a:p>
+            <a:r>
+              <a:rPr lang="en-US" sz="2000" b="1" dirty="0"/>
+              <a:t>2) Initial analysis of the data set including basic statistics</a:t>
+            </a:r>
+          </a:p>
+          <a:p>
+            <a:pPr marL="342900" indent="-342900">
+              <a:buFont typeface="Arial" panose="020B0604020202020204" pitchFamily="34" charset="0"/>
+              <a:buChar char="•"/>
+            </a:pPr>
+            <a:r>
+              <a:rPr lang="en-US" sz="1600" dirty="0"/>
+              <a:t>The medical data set on cerebral strokes is supplement to Lui, Fan and Wu (2019) was published on data.mendeley.com. </a:t>
+            </a:r>
+          </a:p>
+          <a:p>
+            <a:pPr marL="342900" indent="-342900">
+              <a:buFont typeface="Arial" panose="020B0604020202020204" pitchFamily="34" charset="0"/>
+              <a:buChar char="•"/>
+            </a:pPr>
+            <a:r>
+              <a:rPr lang="en-US" sz="1600" dirty="0"/>
+              <a:t>It contains 43’000 observations of potential patients, one target variable and 11 features on the patients’ </a:t>
+            </a:r>
+            <a:r>
+              <a:rPr lang="en-GB" sz="1600" b="0" i="0" dirty="0">
+                <a:solidFill>
+                  <a:srgbClr val="2E2E2E"/>
+                </a:solidFill>
+                <a:effectLst/>
+                <a:latin typeface="NexusSerif"/>
+              </a:rPr>
+              <a:t>physiology.</a:t>
+            </a:r>
+          </a:p>
+          <a:p>
+            <a:pPr marL="342900" indent="-342900">
+              <a:buFont typeface="Arial" panose="020B0604020202020204" pitchFamily="34" charset="0"/>
+              <a:buChar char="•"/>
+            </a:pPr>
+            <a:r>
+              <a:rPr lang="en-GB" sz="1600" dirty="0">
+                <a:solidFill>
+                  <a:srgbClr val="2E2E2E"/>
+                </a:solidFill>
+                <a:latin typeface="NexusSerif"/>
+              </a:rPr>
+              <a:t>The data is characterized by imbalance in the target variable, and missing values primarily in the ‘Smoking Status’ feature.</a:t>
+            </a:r>
+          </a:p>
+          <a:p>
+            <a:pPr marL="342900" indent="-342900">
+              <a:buFont typeface="Arial" panose="020B0604020202020204" pitchFamily="34" charset="0"/>
+              <a:buChar char="•"/>
+            </a:pPr>
+            <a:r>
+              <a:rPr lang="en-GB" sz="1600" dirty="0">
+                <a:solidFill>
+                  <a:srgbClr val="2E2E2E"/>
+                </a:solidFill>
+                <a:latin typeface="NexusSerif"/>
+              </a:rPr>
+              <a:t>Missing Values: BMI: 3.3%, </a:t>
+            </a:r>
+            <a:r>
+              <a:rPr lang="en-GB" sz="1600">
+                <a:solidFill>
+                  <a:srgbClr val="2E2E2E"/>
+                </a:solidFill>
+                <a:latin typeface="NexusSerif"/>
+              </a:rPr>
+              <a:t>Smoking Status 30.6%</a:t>
+            </a:r>
+            <a:endParaRPr lang="en-GB" sz="1600" dirty="0">
+              <a:solidFill>
+                <a:srgbClr val="2E2E2E"/>
+              </a:solidFill>
+              <a:latin typeface="NexusSerif"/>
+            </a:endParaRPr>
+          </a:p>
+          <a:p>
+            <a:pPr marL="342900" indent="-342900">
+              <a:buFont typeface="Arial" panose="020B0604020202020204" pitchFamily="34" charset="0"/>
+              <a:buChar char="•"/>
+            </a:pPr>
+            <a:endParaRPr lang="en-GB" sz="1600" dirty="0">
+              <a:solidFill>
+                <a:srgbClr val="2E2E2E"/>
+              </a:solidFill>
+              <a:latin typeface="NexusSerif"/>
+            </a:endParaRPr>
+          </a:p>
+          <a:p>
+            <a:pPr marL="342900" indent="-342900">
+              <a:buFont typeface="Arial" panose="020B0604020202020204" pitchFamily="34" charset="0"/>
+              <a:buChar char="•"/>
+            </a:pPr>
+            <a:r>
+              <a:rPr lang="en-US" sz="1600" dirty="0"/>
+              <a:t>738 cases of stroke. </a:t>
+            </a:r>
+          </a:p>
+          <a:p>
+            <a:pPr marL="342900" indent="-342900">
+              <a:buFont typeface="Arial" panose="020B0604020202020204" pitchFamily="34" charset="0"/>
+              <a:buChar char="•"/>
+            </a:pPr>
+            <a:r>
+              <a:rPr lang="en-US" sz="1600" dirty="0"/>
+              <a:t>In addition to the binary stroke variable, it contains five binary, three continuous, two categorical features</a:t>
+            </a:r>
+          </a:p>
+        </p:txBody>
+      </p:sp>
+      <p:pic>
+        <p:nvPicPr>
+          <p:cNvPr id="22" name="Picture 21" descr="Chart, bar chart&#10;&#10;Description automatically generated">
             <a:extLst>
               <a:ext uri="{FF2B5EF4-FFF2-40B4-BE49-F238E27FC236}">
-                <a16:creationId xmlns:a16="http://schemas.microsoft.com/office/drawing/2014/main" id="{294E475F-DE3E-4412-9F35-20A563F1BBCF}"/>
+                <a16:creationId xmlns:a16="http://schemas.microsoft.com/office/drawing/2014/main" id="{84B4D877-D7AC-4128-86F1-756BCF97D2B0}"/>
+              </a:ext>
+            </a:extLst>
+          </p:cNvPr>
+          <p:cNvPicPr>
+            <a:picLocks noChangeAspect="1"/>
+          </p:cNvPicPr>
+          <p:nvPr/>
+        </p:nvPicPr>
+        <p:blipFill rotWithShape="1">
+          <a:blip r:embed="rId2">
+            <a:extLst>
+              <a:ext uri="{28A0092B-C50C-407E-A947-70E740481C1C}">
+                <a14:useLocalDpi xmlns:a14="http://schemas.microsoft.com/office/drawing/2010/main" val="0"/>
+              </a:ext>
+            </a:extLst>
+          </a:blip>
+          <a:srcRect l="878" r="1619" b="5311"/>
+          <a:stretch/>
+        </p:blipFill>
+        <p:spPr>
+          <a:xfrm>
+            <a:off x="9497229" y="5783735"/>
+            <a:ext cx="5859050" cy="1896499"/>
+          </a:xfrm>
+          <a:prstGeom prst="rect">
+            <a:avLst/>
+          </a:prstGeom>
+        </p:spPr>
+      </p:pic>
+      <p:sp>
+        <p:nvSpPr>
+          <p:cNvPr id="7" name="Rectangle 6">
+            <a:extLst>
+              <a:ext uri="{FF2B5EF4-FFF2-40B4-BE49-F238E27FC236}">
+                <a16:creationId xmlns:a16="http://schemas.microsoft.com/office/drawing/2014/main" id="{7DFDE14A-EF36-483A-A932-514011F9AA0C}"/>
               </a:ext>
             </a:extLst>
           </p:cNvPr>
@@ -3284,8 +3281,8 @@
         </p:nvSpPr>
         <p:spPr>
           <a:xfrm>
-            <a:off x="407342" y="3924300"/>
-            <a:ext cx="20533107" cy="5715000"/>
+            <a:off x="171450" y="133350"/>
+            <a:ext cx="21004894" cy="1001369"/>
           </a:xfrm>
           <a:prstGeom prst="rect">
             <a:avLst/>
@@ -3307,25 +3304,1016 @@
           </a:fontRef>
         </p:style>
         <p:txBody>
+          <a:bodyPr rtlCol="0" anchor="ctr"/>
+          <a:lstStyle/>
+          <a:p>
+            <a:pPr algn="ctr"/>
+            <a:r>
+              <a:rPr lang="en-US" sz="3600" b="1" dirty="0"/>
+              <a:t>Comparing Decision Tree and K-Nearest Neighbor for Cerebral Stroke Prediction</a:t>
+            </a:r>
+            <a:br>
+              <a:rPr lang="en-US" sz="3200" b="1" dirty="0"/>
+            </a:br>
+            <a:r>
+              <a:rPr lang="en-US" sz="2000" dirty="0"/>
+              <a:t>by Stefan Diener</a:t>
+            </a:r>
+            <a:endParaRPr lang="en-CH" sz="3200" dirty="0"/>
+          </a:p>
+        </p:txBody>
+      </p:sp>
+      <p:sp>
+        <p:nvSpPr>
+          <p:cNvPr id="8" name="Rectangle 7">
+            <a:extLst>
+              <a:ext uri="{FF2B5EF4-FFF2-40B4-BE49-F238E27FC236}">
+                <a16:creationId xmlns:a16="http://schemas.microsoft.com/office/drawing/2014/main" id="{93E259DF-0A40-4B37-B115-0319E48BC63A}"/>
+              </a:ext>
+            </a:extLst>
+          </p:cNvPr>
+          <p:cNvSpPr/>
+          <p:nvPr/>
+        </p:nvSpPr>
+        <p:spPr>
+          <a:xfrm>
+            <a:off x="171450" y="1134719"/>
+            <a:ext cx="21004894" cy="1208431"/>
+          </a:xfrm>
+          <a:prstGeom prst="rect">
+            <a:avLst/>
+          </a:prstGeom>
+          <a:ln w="38100"/>
+        </p:spPr>
+        <p:style>
+          <a:lnRef idx="2">
+            <a:schemeClr val="dk1"/>
+          </a:lnRef>
+          <a:fillRef idx="1">
+            <a:schemeClr val="lt1"/>
+          </a:fillRef>
+          <a:effectRef idx="0">
+            <a:schemeClr val="dk1"/>
+          </a:effectRef>
+          <a:fontRef idx="minor">
+            <a:schemeClr val="dk1"/>
+          </a:fontRef>
+        </p:style>
+        <p:txBody>
           <a:bodyPr rtlCol="0" anchor="t"/>
           <a:lstStyle/>
           <a:p>
             <a:r>
-              <a:rPr lang="en-US" sz="2851" b="1" dirty="0"/>
-              <a:t>2) Initial analysis of the data set including basic statistics</a:t>
-            </a:r>
-          </a:p>
-          <a:p>
-            <a:endParaRPr lang="en-US" sz="2851" b="1" dirty="0"/>
-          </a:p>
-          <a:p>
-            <a:endParaRPr lang="en-US" sz="2851" b="1" dirty="0"/>
-          </a:p>
-          <a:p>
-            <a:endParaRPr lang="en-US" sz="2851" b="1" dirty="0"/>
-          </a:p>
-        </p:txBody>
-      </p:sp>
+              <a:rPr lang="en-US" sz="2000" b="1" dirty="0"/>
+              <a:t>1) Description and Motivation of the Problem</a:t>
+            </a:r>
+          </a:p>
+          <a:p>
+            <a:r>
+              <a:rPr lang="en-US" sz="1600" dirty="0"/>
+              <a:t>In 2020, England recorded cerebrovascular diseases are the third leading cause of death [1]. A cerebral stroke is a subtype of these diseases in which the blood supply to part of the brain is interrupted, depriving brain tissue of oxygen and nutrients and causing the death of brain cells within minutes. Therefore, predicting whether a person will have a cerebral stroke can be of great importance to public health, as it can help ensure adequate preparation and quick action in an emergency. The goal of this project is to train and compare the ability of a Decision Tree and a K-Nearest Neighbor classifier  to predict whether a person will suffer a stroke.</a:t>
+            </a:r>
+            <a:endParaRPr lang="en-CH" sz="1600" dirty="0"/>
+          </a:p>
+        </p:txBody>
+      </p:sp>
+      <p:pic>
+        <p:nvPicPr>
+          <p:cNvPr id="16" name="Picture 15" descr="Chart&#10;&#10;Description automatically generated">
+            <a:extLst>
+              <a:ext uri="{FF2B5EF4-FFF2-40B4-BE49-F238E27FC236}">
+                <a16:creationId xmlns:a16="http://schemas.microsoft.com/office/drawing/2014/main" id="{108E50C5-21A4-4CA1-82ED-12802D98FA18}"/>
+              </a:ext>
+            </a:extLst>
+          </p:cNvPr>
+          <p:cNvPicPr>
+            <a:picLocks noChangeAspect="1"/>
+          </p:cNvPicPr>
+          <p:nvPr/>
+        </p:nvPicPr>
+        <p:blipFill rotWithShape="1">
+          <a:blip r:embed="rId3">
+            <a:extLst>
+              <a:ext uri="{28A0092B-C50C-407E-A947-70E740481C1C}">
+                <a14:useLocalDpi xmlns:a14="http://schemas.microsoft.com/office/drawing/2010/main" val="0"/>
+              </a:ext>
+            </a:extLst>
+          </a:blip>
+          <a:srcRect l="2101" t="11135" r="5228" b="7908"/>
+          <a:stretch/>
+        </p:blipFill>
+        <p:spPr>
+          <a:xfrm>
+            <a:off x="15114488" y="2373709"/>
+            <a:ext cx="6038632" cy="5275320"/>
+          </a:xfrm>
+          <a:prstGeom prst="rect">
+            <a:avLst/>
+          </a:prstGeom>
+        </p:spPr>
+      </p:pic>
+      <p:pic>
+        <p:nvPicPr>
+          <p:cNvPr id="26" name="Picture 25" descr="Chart, pie chart&#10;&#10;Description automatically generated">
+            <a:extLst>
+              <a:ext uri="{FF2B5EF4-FFF2-40B4-BE49-F238E27FC236}">
+                <a16:creationId xmlns:a16="http://schemas.microsoft.com/office/drawing/2014/main" id="{CECC96C7-A2D4-48C6-A24A-0AFAC10521D4}"/>
+              </a:ext>
+            </a:extLst>
+          </p:cNvPr>
+          <p:cNvPicPr>
+            <a:picLocks noChangeAspect="1"/>
+          </p:cNvPicPr>
+          <p:nvPr/>
+        </p:nvPicPr>
+        <p:blipFill rotWithShape="1">
+          <a:blip r:embed="rId4">
+            <a:extLst>
+              <a:ext uri="{28A0092B-C50C-407E-A947-70E740481C1C}">
+                <a14:useLocalDpi xmlns:a14="http://schemas.microsoft.com/office/drawing/2010/main" val="0"/>
+              </a:ext>
+            </a:extLst>
+          </a:blip>
+          <a:srcRect l="6430" t="4367" r="6430" b="12617"/>
+          <a:stretch/>
+        </p:blipFill>
+        <p:spPr>
+          <a:xfrm>
+            <a:off x="8680464" y="4002684"/>
+            <a:ext cx="2654308" cy="1896499"/>
+          </a:xfrm>
+          <a:prstGeom prst="rect">
+            <a:avLst/>
+          </a:prstGeom>
+        </p:spPr>
+      </p:pic>
+      <p:graphicFrame>
+        <p:nvGraphicFramePr>
+          <p:cNvPr id="27" name="Table 27">
+            <a:extLst>
+              <a:ext uri="{FF2B5EF4-FFF2-40B4-BE49-F238E27FC236}">
+                <a16:creationId xmlns:a16="http://schemas.microsoft.com/office/drawing/2014/main" id="{EE35C4B2-E62D-4C0F-A41F-358DF773639B}"/>
+              </a:ext>
+            </a:extLst>
+          </p:cNvPr>
+          <p:cNvGraphicFramePr>
+            <a:graphicFrameLocks noGrp="1"/>
+          </p:cNvGraphicFramePr>
+          <p:nvPr>
+            <p:extLst>
+              <p:ext uri="{D42A27DB-BD31-4B8C-83A1-F6EECF244321}">
+                <p14:modId xmlns:p14="http://schemas.microsoft.com/office/powerpoint/2010/main" val="2544480992"/>
+              </p:ext>
+            </p:extLst>
+          </p:nvPr>
+        </p:nvGraphicFramePr>
+        <p:xfrm>
+          <a:off x="11583948" y="2445182"/>
+          <a:ext cx="3281364" cy="2590800"/>
+        </p:xfrm>
+        <a:graphic>
+          <a:graphicData uri="http://schemas.openxmlformats.org/drawingml/2006/table">
+            <a:tbl>
+              <a:tblPr firstRow="1" bandRow="1">
+                <a:tableStyleId>{9D7B26C5-4107-4FEC-AEDC-1716B250A1EF}</a:tableStyleId>
+              </a:tblPr>
+              <a:tblGrid>
+                <a:gridCol w="997268">
+                  <a:extLst>
+                    <a:ext uri="{9D8B030D-6E8A-4147-A177-3AD203B41FA5}">
+                      <a16:colId xmlns:a16="http://schemas.microsoft.com/office/drawing/2014/main" val="3467800109"/>
+                    </a:ext>
+                  </a:extLst>
+                </a:gridCol>
+                <a:gridCol w="535305">
+                  <a:extLst>
+                    <a:ext uri="{9D8B030D-6E8A-4147-A177-3AD203B41FA5}">
+                      <a16:colId xmlns:a16="http://schemas.microsoft.com/office/drawing/2014/main" val="2542221043"/>
+                    </a:ext>
+                  </a:extLst>
+                </a:gridCol>
+                <a:gridCol w="606743">
+                  <a:extLst>
+                    <a:ext uri="{9D8B030D-6E8A-4147-A177-3AD203B41FA5}">
+                      <a16:colId xmlns:a16="http://schemas.microsoft.com/office/drawing/2014/main" val="2395979764"/>
+                    </a:ext>
+                  </a:extLst>
+                </a:gridCol>
+                <a:gridCol w="606743">
+                  <a:extLst>
+                    <a:ext uri="{9D8B030D-6E8A-4147-A177-3AD203B41FA5}">
+                      <a16:colId xmlns:a16="http://schemas.microsoft.com/office/drawing/2014/main" val="1101614973"/>
+                    </a:ext>
+                  </a:extLst>
+                </a:gridCol>
+                <a:gridCol w="535305">
+                  <a:extLst>
+                    <a:ext uri="{9D8B030D-6E8A-4147-A177-3AD203B41FA5}">
+                      <a16:colId xmlns:a16="http://schemas.microsoft.com/office/drawing/2014/main" val="2784924489"/>
+                    </a:ext>
+                  </a:extLst>
+                </a:gridCol>
+              </a:tblGrid>
+              <a:tr h="178772">
+                <a:tc>
+                  <a:txBody>
+                    <a:bodyPr/>
+                    <a:lstStyle/>
+                    <a:p>
+                      <a:r>
+                        <a:rPr lang="en-GB" sz="1100" dirty="0"/>
+                        <a:t>Variable</a:t>
+                      </a:r>
+                    </a:p>
+                  </a:txBody>
+                  <a:tcPr/>
+                </a:tc>
+                <a:tc>
+                  <a:txBody>
+                    <a:bodyPr/>
+                    <a:lstStyle/>
+                    <a:p>
+                      <a:r>
+                        <a:rPr lang="en-GB" sz="1100" dirty="0"/>
+                        <a:t>Min</a:t>
+                      </a:r>
+                    </a:p>
+                  </a:txBody>
+                  <a:tcPr/>
+                </a:tc>
+                <a:tc>
+                  <a:txBody>
+                    <a:bodyPr/>
+                    <a:lstStyle/>
+                    <a:p>
+                      <a:r>
+                        <a:rPr lang="en-GB" sz="1100" dirty="0"/>
+                        <a:t>Mean</a:t>
+                      </a:r>
+                    </a:p>
+                  </a:txBody>
+                  <a:tcPr/>
+                </a:tc>
+                <a:tc>
+                  <a:txBody>
+                    <a:bodyPr/>
+                    <a:lstStyle/>
+                    <a:p>
+                      <a:r>
+                        <a:rPr lang="en-GB" sz="1100" dirty="0"/>
+                        <a:t>Max</a:t>
+                      </a:r>
+                    </a:p>
+                  </a:txBody>
+                  <a:tcPr/>
+                </a:tc>
+                <a:tc>
+                  <a:txBody>
+                    <a:bodyPr/>
+                    <a:lstStyle/>
+                    <a:p>
+                      <a:r>
+                        <a:rPr lang="en-GB" sz="1100" dirty="0"/>
+                        <a:t>SD</a:t>
+                      </a:r>
+                    </a:p>
+                  </a:txBody>
+                  <a:tcPr/>
+                </a:tc>
+                <a:extLst>
+                  <a:ext uri="{0D108BD9-81ED-4DB2-BD59-A6C34878D82A}">
+                    <a16:rowId xmlns:a16="http://schemas.microsoft.com/office/drawing/2014/main" val="1769268115"/>
+                  </a:ext>
+                </a:extLst>
+              </a:tr>
+              <a:tr h="200633">
+                <a:tc>
+                  <a:txBody>
+                    <a:bodyPr/>
+                    <a:lstStyle/>
+                    <a:p>
+                      <a:r>
+                        <a:rPr lang="en-GB" sz="1100" dirty="0"/>
+                        <a:t>Stroke</a:t>
+                      </a:r>
+                    </a:p>
+                  </a:txBody>
+                  <a:tcPr/>
+                </a:tc>
+                <a:tc>
+                  <a:txBody>
+                    <a:bodyPr/>
+                    <a:lstStyle/>
+                    <a:p>
+                      <a:r>
+                        <a:rPr lang="en-GB" sz="1100" dirty="0"/>
+                        <a:t>0</a:t>
+                      </a:r>
+                    </a:p>
+                  </a:txBody>
+                  <a:tcPr/>
+                </a:tc>
+                <a:tc>
+                  <a:txBody>
+                    <a:bodyPr/>
+                    <a:lstStyle/>
+                    <a:p>
+                      <a:r>
+                        <a:rPr lang="en-GB" sz="1100" dirty="0"/>
+                        <a:t>0.02</a:t>
+                      </a:r>
+                    </a:p>
+                  </a:txBody>
+                  <a:tcPr/>
+                </a:tc>
+                <a:tc>
+                  <a:txBody>
+                    <a:bodyPr/>
+                    <a:lstStyle/>
+                    <a:p>
+                      <a:r>
+                        <a:rPr lang="en-GB" sz="1100" dirty="0"/>
+                        <a:t>1</a:t>
+                      </a:r>
+                    </a:p>
+                  </a:txBody>
+                  <a:tcPr/>
+                </a:tc>
+                <a:tc>
+                  <a:txBody>
+                    <a:bodyPr/>
+                    <a:lstStyle/>
+                    <a:p>
+                      <a:r>
+                        <a:rPr lang="en-GB" sz="1100" dirty="0"/>
+                        <a:t>0.12</a:t>
+                      </a:r>
+                    </a:p>
+                  </a:txBody>
+                  <a:tcPr/>
+                </a:tc>
+                <a:extLst>
+                  <a:ext uri="{0D108BD9-81ED-4DB2-BD59-A6C34878D82A}">
+                    <a16:rowId xmlns:a16="http://schemas.microsoft.com/office/drawing/2014/main" val="1205327121"/>
+                  </a:ext>
+                </a:extLst>
+              </a:tr>
+              <a:tr h="200633">
+                <a:tc>
+                  <a:txBody>
+                    <a:bodyPr/>
+                    <a:lstStyle/>
+                    <a:p>
+                      <a:r>
+                        <a:rPr lang="en-GB" sz="1100" dirty="0"/>
+                        <a:t>Gender</a:t>
+                      </a:r>
+                    </a:p>
+                  </a:txBody>
+                  <a:tcPr/>
+                </a:tc>
+                <a:tc>
+                  <a:txBody>
+                    <a:bodyPr/>
+                    <a:lstStyle/>
+                    <a:p>
+                      <a:r>
+                        <a:rPr lang="en-GB" sz="1100" dirty="0"/>
+                        <a:t>0</a:t>
+                      </a:r>
+                    </a:p>
+                  </a:txBody>
+                  <a:tcPr/>
+                </a:tc>
+                <a:tc>
+                  <a:txBody>
+                    <a:bodyPr/>
+                    <a:lstStyle/>
+                    <a:p>
+                      <a:r>
+                        <a:rPr lang="en-GB" sz="1100" dirty="0"/>
+                        <a:t>0.40</a:t>
+                      </a:r>
+                    </a:p>
+                  </a:txBody>
+                  <a:tcPr/>
+                </a:tc>
+                <a:tc>
+                  <a:txBody>
+                    <a:bodyPr/>
+                    <a:lstStyle/>
+                    <a:p>
+                      <a:r>
+                        <a:rPr lang="en-GB" sz="1100" dirty="0"/>
+                        <a:t>1</a:t>
+                      </a:r>
+                    </a:p>
+                  </a:txBody>
+                  <a:tcPr/>
+                </a:tc>
+                <a:tc>
+                  <a:txBody>
+                    <a:bodyPr/>
+                    <a:lstStyle/>
+                    <a:p>
+                      <a:r>
+                        <a:rPr lang="en-GB" sz="1100" dirty="0"/>
+                        <a:t>0.49</a:t>
+                      </a:r>
+                    </a:p>
+                  </a:txBody>
+                  <a:tcPr/>
+                </a:tc>
+                <a:extLst>
+                  <a:ext uri="{0D108BD9-81ED-4DB2-BD59-A6C34878D82A}">
+                    <a16:rowId xmlns:a16="http://schemas.microsoft.com/office/drawing/2014/main" val="333028761"/>
+                  </a:ext>
+                </a:extLst>
+              </a:tr>
+              <a:tr h="200633">
+                <a:tc>
+                  <a:txBody>
+                    <a:bodyPr/>
+                    <a:lstStyle/>
+                    <a:p>
+                      <a:r>
+                        <a:rPr lang="en-GB" sz="1100" dirty="0"/>
+                        <a:t>Hypertension</a:t>
+                      </a:r>
+                    </a:p>
+                  </a:txBody>
+                  <a:tcPr/>
+                </a:tc>
+                <a:tc>
+                  <a:txBody>
+                    <a:bodyPr/>
+                    <a:lstStyle/>
+                    <a:p>
+                      <a:r>
+                        <a:rPr lang="en-GB" sz="1100" dirty="0"/>
+                        <a:t>0</a:t>
+                      </a:r>
+                    </a:p>
+                  </a:txBody>
+                  <a:tcPr/>
+                </a:tc>
+                <a:tc>
+                  <a:txBody>
+                    <a:bodyPr/>
+                    <a:lstStyle/>
+                    <a:p>
+                      <a:r>
+                        <a:rPr lang="en-GB" sz="1100" dirty="0"/>
+                        <a:t>0.09</a:t>
+                      </a:r>
+                    </a:p>
+                  </a:txBody>
+                  <a:tcPr/>
+                </a:tc>
+                <a:tc>
+                  <a:txBody>
+                    <a:bodyPr/>
+                    <a:lstStyle/>
+                    <a:p>
+                      <a:r>
+                        <a:rPr lang="en-GB" sz="1100" dirty="0"/>
+                        <a:t>1</a:t>
+                      </a:r>
+                    </a:p>
+                  </a:txBody>
+                  <a:tcPr/>
+                </a:tc>
+                <a:tc>
+                  <a:txBody>
+                    <a:bodyPr/>
+                    <a:lstStyle/>
+                    <a:p>
+                      <a:r>
+                        <a:rPr lang="en-GB" sz="1100" dirty="0"/>
+                        <a:t>0.28</a:t>
+                      </a:r>
+                    </a:p>
+                  </a:txBody>
+                  <a:tcPr/>
+                </a:tc>
+                <a:extLst>
+                  <a:ext uri="{0D108BD9-81ED-4DB2-BD59-A6C34878D82A}">
+                    <a16:rowId xmlns:a16="http://schemas.microsoft.com/office/drawing/2014/main" val="2712605215"/>
+                  </a:ext>
+                </a:extLst>
+              </a:tr>
+              <a:tr h="200633">
+                <a:tc>
+                  <a:txBody>
+                    <a:bodyPr/>
+                    <a:lstStyle/>
+                    <a:p>
+                      <a:r>
+                        <a:rPr lang="en-GB" sz="1100" dirty="0"/>
+                        <a:t>Heart Disease</a:t>
+                      </a:r>
+                    </a:p>
+                  </a:txBody>
+                  <a:tcPr/>
+                </a:tc>
+                <a:tc>
+                  <a:txBody>
+                    <a:bodyPr/>
+                    <a:lstStyle/>
+                    <a:p>
+                      <a:r>
+                        <a:rPr lang="en-GB" sz="1100" dirty="0"/>
+                        <a:t>0</a:t>
+                      </a:r>
+                    </a:p>
+                  </a:txBody>
+                  <a:tcPr/>
+                </a:tc>
+                <a:tc>
+                  <a:txBody>
+                    <a:bodyPr/>
+                    <a:lstStyle/>
+                    <a:p>
+                      <a:r>
+                        <a:rPr lang="en-GB" sz="1100" dirty="0"/>
+                        <a:t>0.04</a:t>
+                      </a:r>
+                    </a:p>
+                  </a:txBody>
+                  <a:tcPr/>
+                </a:tc>
+                <a:tc>
+                  <a:txBody>
+                    <a:bodyPr/>
+                    <a:lstStyle/>
+                    <a:p>
+                      <a:r>
+                        <a:rPr lang="en-GB" sz="1100" dirty="0"/>
+                        <a:t>1</a:t>
+                      </a:r>
+                    </a:p>
+                  </a:txBody>
+                  <a:tcPr/>
+                </a:tc>
+                <a:tc>
+                  <a:txBody>
+                    <a:bodyPr/>
+                    <a:lstStyle/>
+                    <a:p>
+                      <a:r>
+                        <a:rPr lang="en-GB" sz="1100" dirty="0"/>
+                        <a:t>0.20</a:t>
+                      </a:r>
+                    </a:p>
+                  </a:txBody>
+                  <a:tcPr/>
+                </a:tc>
+                <a:extLst>
+                  <a:ext uri="{0D108BD9-81ED-4DB2-BD59-A6C34878D82A}">
+                    <a16:rowId xmlns:a16="http://schemas.microsoft.com/office/drawing/2014/main" val="2833281321"/>
+                  </a:ext>
+                </a:extLst>
+              </a:tr>
+              <a:tr h="200633">
+                <a:tc>
+                  <a:txBody>
+                    <a:bodyPr/>
+                    <a:lstStyle/>
+                    <a:p>
+                      <a:r>
+                        <a:rPr lang="en-GB" sz="1100" dirty="0"/>
+                        <a:t>Ever Married</a:t>
+                      </a:r>
+                    </a:p>
+                  </a:txBody>
+                  <a:tcPr/>
+                </a:tc>
+                <a:tc>
+                  <a:txBody>
+                    <a:bodyPr/>
+                    <a:lstStyle/>
+                    <a:p>
+                      <a:r>
+                        <a:rPr lang="en-GB" sz="1100" dirty="0"/>
+                        <a:t>0</a:t>
+                      </a:r>
+                    </a:p>
+                  </a:txBody>
+                  <a:tcPr/>
+                </a:tc>
+                <a:tc>
+                  <a:txBody>
+                    <a:bodyPr/>
+                    <a:lstStyle/>
+                    <a:p>
+                      <a:r>
+                        <a:rPr lang="en-GB" sz="1100" dirty="0"/>
+                        <a:t>0.64</a:t>
+                      </a:r>
+                    </a:p>
+                  </a:txBody>
+                  <a:tcPr/>
+                </a:tc>
+                <a:tc>
+                  <a:txBody>
+                    <a:bodyPr/>
+                    <a:lstStyle/>
+                    <a:p>
+                      <a:r>
+                        <a:rPr lang="en-GB" sz="1100" dirty="0"/>
+                        <a:t>1</a:t>
+                      </a:r>
+                    </a:p>
+                  </a:txBody>
+                  <a:tcPr/>
+                </a:tc>
+                <a:tc>
+                  <a:txBody>
+                    <a:bodyPr/>
+                    <a:lstStyle/>
+                    <a:p>
+                      <a:r>
+                        <a:rPr lang="en-GB" sz="1100" dirty="0"/>
+                        <a:t>0.48</a:t>
+                      </a:r>
+                    </a:p>
+                  </a:txBody>
+                  <a:tcPr/>
+                </a:tc>
+                <a:extLst>
+                  <a:ext uri="{0D108BD9-81ED-4DB2-BD59-A6C34878D82A}">
+                    <a16:rowId xmlns:a16="http://schemas.microsoft.com/office/drawing/2014/main" val="1832187765"/>
+                  </a:ext>
+                </a:extLst>
+              </a:tr>
+              <a:tr h="200633">
+                <a:tc>
+                  <a:txBody>
+                    <a:bodyPr/>
+                    <a:lstStyle/>
+                    <a:p>
+                      <a:r>
+                        <a:rPr lang="en-GB" sz="1100" dirty="0"/>
+                        <a:t>Urban Home</a:t>
+                      </a:r>
+                    </a:p>
+                  </a:txBody>
+                  <a:tcPr/>
+                </a:tc>
+                <a:tc>
+                  <a:txBody>
+                    <a:bodyPr/>
+                    <a:lstStyle/>
+                    <a:p>
+                      <a:r>
+                        <a:rPr lang="en-GB" sz="1100" dirty="0"/>
+                        <a:t>0</a:t>
+                      </a:r>
+                    </a:p>
+                  </a:txBody>
+                  <a:tcPr/>
+                </a:tc>
+                <a:tc>
+                  <a:txBody>
+                    <a:bodyPr/>
+                    <a:lstStyle/>
+                    <a:p>
+                      <a:r>
+                        <a:rPr lang="en-GB" sz="1100" dirty="0"/>
+                        <a:t>0.50</a:t>
+                      </a:r>
+                    </a:p>
+                  </a:txBody>
+                  <a:tcPr/>
+                </a:tc>
+                <a:tc>
+                  <a:txBody>
+                    <a:bodyPr/>
+                    <a:lstStyle/>
+                    <a:p>
+                      <a:r>
+                        <a:rPr lang="en-GB" sz="1100" dirty="0"/>
+                        <a:t>1</a:t>
+                      </a:r>
+                    </a:p>
+                  </a:txBody>
+                  <a:tcPr/>
+                </a:tc>
+                <a:tc>
+                  <a:txBody>
+                    <a:bodyPr/>
+                    <a:lstStyle/>
+                    <a:p>
+                      <a:r>
+                        <a:rPr lang="en-GB" sz="1100" dirty="0"/>
+                        <a:t>0.50</a:t>
+                      </a:r>
+                    </a:p>
+                  </a:txBody>
+                  <a:tcPr/>
+                </a:tc>
+                <a:extLst>
+                  <a:ext uri="{0D108BD9-81ED-4DB2-BD59-A6C34878D82A}">
+                    <a16:rowId xmlns:a16="http://schemas.microsoft.com/office/drawing/2014/main" val="3461106054"/>
+                  </a:ext>
+                </a:extLst>
+              </a:tr>
+              <a:tr h="200633">
+                <a:tc>
+                  <a:txBody>
+                    <a:bodyPr/>
+                    <a:lstStyle/>
+                    <a:p>
+                      <a:r>
+                        <a:rPr lang="en-GB" sz="1100" dirty="0"/>
+                        <a:t>Age</a:t>
+                      </a:r>
+                    </a:p>
+                  </a:txBody>
+                  <a:tcPr/>
+                </a:tc>
+                <a:tc>
+                  <a:txBody>
+                    <a:bodyPr/>
+                    <a:lstStyle/>
+                    <a:p>
+                      <a:r>
+                        <a:rPr lang="en-GB" sz="1100" dirty="0"/>
+                        <a:t>0</a:t>
+                      </a:r>
+                    </a:p>
+                  </a:txBody>
+                  <a:tcPr/>
+                </a:tc>
+                <a:tc>
+                  <a:txBody>
+                    <a:bodyPr/>
+                    <a:lstStyle/>
+                    <a:p>
+                      <a:r>
+                        <a:rPr lang="en-GB" sz="1100" dirty="0"/>
+                        <a:t>41</a:t>
+                      </a:r>
+                    </a:p>
+                  </a:txBody>
+                  <a:tcPr/>
+                </a:tc>
+                <a:tc>
+                  <a:txBody>
+                    <a:bodyPr/>
+                    <a:lstStyle/>
+                    <a:p>
+                      <a:r>
+                        <a:rPr lang="en-GB" sz="1100" dirty="0"/>
+                        <a:t>82</a:t>
+                      </a:r>
+                    </a:p>
+                  </a:txBody>
+                  <a:tcPr/>
+                </a:tc>
+                <a:tc>
+                  <a:txBody>
+                    <a:bodyPr/>
+                    <a:lstStyle/>
+                    <a:p>
+                      <a:r>
+                        <a:rPr lang="en-GB" sz="1100" dirty="0"/>
+                        <a:t>22.48</a:t>
+                      </a:r>
+                    </a:p>
+                  </a:txBody>
+                  <a:tcPr/>
+                </a:tc>
+                <a:extLst>
+                  <a:ext uri="{0D108BD9-81ED-4DB2-BD59-A6C34878D82A}">
+                    <a16:rowId xmlns:a16="http://schemas.microsoft.com/office/drawing/2014/main" val="1846404377"/>
+                  </a:ext>
+                </a:extLst>
+              </a:tr>
+              <a:tr h="200633">
+                <a:tc>
+                  <a:txBody>
+                    <a:bodyPr/>
+                    <a:lstStyle/>
+                    <a:p>
+                      <a:r>
+                        <a:rPr lang="en-GB" sz="1100" dirty="0" err="1"/>
+                        <a:t>Avg</a:t>
+                      </a:r>
+                      <a:r>
+                        <a:rPr lang="en-GB" sz="1100" dirty="0"/>
+                        <a:t> Glucose</a:t>
+                      </a:r>
+                    </a:p>
+                  </a:txBody>
+                  <a:tcPr/>
+                </a:tc>
+                <a:tc>
+                  <a:txBody>
+                    <a:bodyPr/>
+                    <a:lstStyle/>
+                    <a:p>
+                      <a:r>
+                        <a:rPr lang="en-GB" sz="1100" dirty="0"/>
+                        <a:t>55.00</a:t>
+                      </a:r>
+                    </a:p>
+                  </a:txBody>
+                  <a:tcPr/>
+                </a:tc>
+                <a:tc>
+                  <a:txBody>
+                    <a:bodyPr/>
+                    <a:lstStyle/>
+                    <a:p>
+                      <a:r>
+                        <a:rPr lang="en-GB" sz="1100" dirty="0"/>
+                        <a:t>103.67</a:t>
+                      </a:r>
+                    </a:p>
+                  </a:txBody>
+                  <a:tcPr/>
+                </a:tc>
+                <a:tc>
+                  <a:txBody>
+                    <a:bodyPr/>
+                    <a:lstStyle/>
+                    <a:p>
+                      <a:r>
+                        <a:rPr lang="en-GB" sz="1100" dirty="0"/>
+                        <a:t>291.05</a:t>
+                      </a:r>
+                    </a:p>
+                  </a:txBody>
+                  <a:tcPr/>
+                </a:tc>
+                <a:tc>
+                  <a:txBody>
+                    <a:bodyPr/>
+                    <a:lstStyle/>
+                    <a:p>
+                      <a:r>
+                        <a:rPr lang="en-GB" sz="1100" dirty="0"/>
+                        <a:t>42.28</a:t>
+                      </a:r>
+                    </a:p>
+                  </a:txBody>
+                  <a:tcPr/>
+                </a:tc>
+                <a:extLst>
+                  <a:ext uri="{0D108BD9-81ED-4DB2-BD59-A6C34878D82A}">
+                    <a16:rowId xmlns:a16="http://schemas.microsoft.com/office/drawing/2014/main" val="2468859034"/>
+                  </a:ext>
+                </a:extLst>
+              </a:tr>
+              <a:tr h="200633">
+                <a:tc>
+                  <a:txBody>
+                    <a:bodyPr/>
+                    <a:lstStyle/>
+                    <a:p>
+                      <a:r>
+                        <a:rPr lang="en-GB" sz="1100" dirty="0"/>
+                        <a:t>BMI</a:t>
+                      </a:r>
+                    </a:p>
+                  </a:txBody>
+                  <a:tcPr/>
+                </a:tc>
+                <a:tc>
+                  <a:txBody>
+                    <a:bodyPr/>
+                    <a:lstStyle/>
+                    <a:p>
+                      <a:r>
+                        <a:rPr lang="en-GB" sz="1100" dirty="0"/>
+                        <a:t>10.10</a:t>
+                      </a:r>
+                    </a:p>
+                  </a:txBody>
+                  <a:tcPr/>
+                </a:tc>
+                <a:tc>
+                  <a:txBody>
+                    <a:bodyPr/>
+                    <a:lstStyle/>
+                    <a:p>
+                      <a:r>
+                        <a:rPr lang="en-GB" sz="1100" dirty="0"/>
+                        <a:t>28.62</a:t>
+                      </a:r>
+                    </a:p>
+                  </a:txBody>
+                  <a:tcPr/>
+                </a:tc>
+                <a:tc>
+                  <a:txBody>
+                    <a:bodyPr/>
+                    <a:lstStyle/>
+                    <a:p>
+                      <a:r>
+                        <a:rPr lang="en-GB" sz="1100" dirty="0"/>
+                        <a:t>97.60</a:t>
+                      </a:r>
+                    </a:p>
+                  </a:txBody>
+                  <a:tcPr/>
+                </a:tc>
+                <a:tc>
+                  <a:txBody>
+                    <a:bodyPr/>
+                    <a:lstStyle/>
+                    <a:p>
+                      <a:r>
+                        <a:rPr lang="en-GB" sz="1100" dirty="0"/>
+                        <a:t>7.77</a:t>
+                      </a:r>
+                    </a:p>
+                  </a:txBody>
+                  <a:tcPr/>
+                </a:tc>
+                <a:extLst>
+                  <a:ext uri="{0D108BD9-81ED-4DB2-BD59-A6C34878D82A}">
+                    <a16:rowId xmlns:a16="http://schemas.microsoft.com/office/drawing/2014/main" val="520551929"/>
+                  </a:ext>
+                </a:extLst>
+              </a:tr>
+            </a:tbl>
+          </a:graphicData>
+        </a:graphic>
+      </p:graphicFrame>
+      <p:pic>
+        <p:nvPicPr>
+          <p:cNvPr id="33" name="Picture 32" descr="Chart, bar chart&#10;&#10;Description automatically generated">
+            <a:extLst>
+              <a:ext uri="{FF2B5EF4-FFF2-40B4-BE49-F238E27FC236}">
+                <a16:creationId xmlns:a16="http://schemas.microsoft.com/office/drawing/2014/main" id="{7AD3EC94-D541-4CB1-8D29-EA9DE3A4C9E7}"/>
+              </a:ext>
+            </a:extLst>
+          </p:cNvPr>
+          <p:cNvPicPr>
+            <a:picLocks noChangeAspect="1"/>
+          </p:cNvPicPr>
+          <p:nvPr/>
+        </p:nvPicPr>
+        <p:blipFill>
+          <a:blip r:embed="rId5">
+            <a:extLst>
+              <a:ext uri="{28A0092B-C50C-407E-A947-70E740481C1C}">
+                <a14:useLocalDpi xmlns:a14="http://schemas.microsoft.com/office/drawing/2010/main" val="0"/>
+              </a:ext>
+            </a:extLst>
+          </a:blip>
+          <a:stretch>
+            <a:fillRect/>
+          </a:stretch>
+        </p:blipFill>
+        <p:spPr>
+          <a:xfrm>
+            <a:off x="6204658" y="5837962"/>
+            <a:ext cx="3622134" cy="1811067"/>
+          </a:xfrm>
+          <a:prstGeom prst="rect">
+            <a:avLst/>
+          </a:prstGeom>
+        </p:spPr>
+      </p:pic>
+      <p:pic>
+        <p:nvPicPr>
+          <p:cNvPr id="37" name="Picture 36" descr="Chart, histogram&#10;&#10;Description automatically generated">
+            <a:extLst>
+              <a:ext uri="{FF2B5EF4-FFF2-40B4-BE49-F238E27FC236}">
+                <a16:creationId xmlns:a16="http://schemas.microsoft.com/office/drawing/2014/main" id="{C8D46654-1AE0-4027-996E-C099BE4ED8EF}"/>
+              </a:ext>
+            </a:extLst>
+          </p:cNvPr>
+          <p:cNvPicPr>
+            <a:picLocks noChangeAspect="1"/>
+          </p:cNvPicPr>
+          <p:nvPr/>
+        </p:nvPicPr>
+        <p:blipFill>
+          <a:blip r:embed="rId6">
+            <a:extLst>
+              <a:ext uri="{28A0092B-C50C-407E-A947-70E740481C1C}">
+                <a14:useLocalDpi xmlns:a14="http://schemas.microsoft.com/office/drawing/2010/main" val="0"/>
+              </a:ext>
+            </a:extLst>
+          </a:blip>
+          <a:stretch>
+            <a:fillRect/>
+          </a:stretch>
+        </p:blipFill>
+        <p:spPr>
+          <a:xfrm>
+            <a:off x="307620" y="5899183"/>
+            <a:ext cx="6170295" cy="2056765"/>
+          </a:xfrm>
+          <a:prstGeom prst="rect">
+            <a:avLst/>
+          </a:prstGeom>
+        </p:spPr>
+      </p:pic>
     </p:spTree>
     <p:extLst>
       <p:ext uri="{BB962C8B-B14F-4D97-AF65-F5344CB8AC3E}">
